--- a/Slides/01. Ambiente de Trabalho.pptx
+++ b/Slides/01. Ambiente de Trabalho.pptx
@@ -5,53 +5,52 @@
     <p:sldMasterId id="2147483660" r:id="rId1"/>
   </p:sldMasterIdLst>
   <p:notesMasterIdLst>
-    <p:notesMasterId r:id="rId43"/>
+    <p:notesMasterId r:id="rId42"/>
   </p:notesMasterIdLst>
   <p:handoutMasterIdLst>
-    <p:handoutMasterId r:id="rId44"/>
+    <p:handoutMasterId r:id="rId43"/>
   </p:handoutMasterIdLst>
   <p:sldIdLst>
     <p:sldId id="256" r:id="rId2"/>
     <p:sldId id="296" r:id="rId3"/>
     <p:sldId id="297" r:id="rId4"/>
-    <p:sldId id="298" r:id="rId5"/>
-    <p:sldId id="299" r:id="rId6"/>
-    <p:sldId id="300" r:id="rId7"/>
-    <p:sldId id="301" r:id="rId8"/>
-    <p:sldId id="258" r:id="rId9"/>
-    <p:sldId id="260" r:id="rId10"/>
-    <p:sldId id="261" r:id="rId11"/>
-    <p:sldId id="266" r:id="rId12"/>
-    <p:sldId id="267" r:id="rId13"/>
-    <p:sldId id="280" r:id="rId14"/>
-    <p:sldId id="281" r:id="rId15"/>
-    <p:sldId id="265" r:id="rId16"/>
-    <p:sldId id="268" r:id="rId17"/>
-    <p:sldId id="269" r:id="rId18"/>
-    <p:sldId id="270" r:id="rId19"/>
-    <p:sldId id="271" r:id="rId20"/>
-    <p:sldId id="272" r:id="rId21"/>
-    <p:sldId id="277" r:id="rId22"/>
-    <p:sldId id="295" r:id="rId23"/>
-    <p:sldId id="273" r:id="rId24"/>
-    <p:sldId id="274" r:id="rId25"/>
-    <p:sldId id="275" r:id="rId26"/>
-    <p:sldId id="276" r:id="rId27"/>
-    <p:sldId id="278" r:id="rId28"/>
-    <p:sldId id="279" r:id="rId29"/>
-    <p:sldId id="282" r:id="rId30"/>
-    <p:sldId id="283" r:id="rId31"/>
-    <p:sldId id="294" r:id="rId32"/>
-    <p:sldId id="284" r:id="rId33"/>
-    <p:sldId id="285" r:id="rId34"/>
-    <p:sldId id="286" r:id="rId35"/>
-    <p:sldId id="287" r:id="rId36"/>
-    <p:sldId id="288" r:id="rId37"/>
-    <p:sldId id="289" r:id="rId38"/>
-    <p:sldId id="290" r:id="rId39"/>
-    <p:sldId id="291" r:id="rId40"/>
-    <p:sldId id="292" r:id="rId41"/>
-    <p:sldId id="293" r:id="rId42"/>
+    <p:sldId id="299" r:id="rId5"/>
+    <p:sldId id="300" r:id="rId6"/>
+    <p:sldId id="301" r:id="rId7"/>
+    <p:sldId id="258" r:id="rId8"/>
+    <p:sldId id="260" r:id="rId9"/>
+    <p:sldId id="261" r:id="rId10"/>
+    <p:sldId id="266" r:id="rId11"/>
+    <p:sldId id="267" r:id="rId12"/>
+    <p:sldId id="280" r:id="rId13"/>
+    <p:sldId id="281" r:id="rId14"/>
+    <p:sldId id="265" r:id="rId15"/>
+    <p:sldId id="268" r:id="rId16"/>
+    <p:sldId id="269" r:id="rId17"/>
+    <p:sldId id="270" r:id="rId18"/>
+    <p:sldId id="271" r:id="rId19"/>
+    <p:sldId id="272" r:id="rId20"/>
+    <p:sldId id="277" r:id="rId21"/>
+    <p:sldId id="295" r:id="rId22"/>
+    <p:sldId id="273" r:id="rId23"/>
+    <p:sldId id="274" r:id="rId24"/>
+    <p:sldId id="275" r:id="rId25"/>
+    <p:sldId id="276" r:id="rId26"/>
+    <p:sldId id="278" r:id="rId27"/>
+    <p:sldId id="279" r:id="rId28"/>
+    <p:sldId id="282" r:id="rId29"/>
+    <p:sldId id="283" r:id="rId30"/>
+    <p:sldId id="294" r:id="rId31"/>
+    <p:sldId id="284" r:id="rId32"/>
+    <p:sldId id="285" r:id="rId33"/>
+    <p:sldId id="286" r:id="rId34"/>
+    <p:sldId id="287" r:id="rId35"/>
+    <p:sldId id="288" r:id="rId36"/>
+    <p:sldId id="289" r:id="rId37"/>
+    <p:sldId id="290" r:id="rId38"/>
+    <p:sldId id="291" r:id="rId39"/>
+    <p:sldId id="292" r:id="rId40"/>
+    <p:sldId id="293" r:id="rId41"/>
   </p:sldIdLst>
   <p:sldSz cx="12192000" cy="6858000"/>
   <p:notesSz cx="6858000" cy="9144000"/>
@@ -183,10 +182,169 @@
 </p:presentation>
 </file>
 
+<file path=ppt/revisionInfo.xml><?xml version="1.0" encoding="utf-8"?>
+<p1510:revInfo xmlns:a="http://schemas.openxmlformats.org/drawingml/2006/main" xmlns:r="http://schemas.openxmlformats.org/officeDocument/2006/relationships" xmlns:p1510="http://schemas.microsoft.com/office/powerpoint/2015/10/main">
+  <p1510:revLst>
+    <p1510:client id="{35DCDA65-A2A8-4227-A263-0B48C62ACBF3}" v="2" dt="2021-02-26T03:19:48.546"/>
+  </p1510:revLst>
+</p1510:revInfo>
+</file>
+
 <file path=ppt/changesInfos/changesInfo1.xml><?xml version="1.0" encoding="utf-8"?>
 <pc:chgInfo xmlns:a="http://schemas.openxmlformats.org/drawingml/2006/main" xmlns:r="http://schemas.openxmlformats.org/officeDocument/2006/relationships" xmlns:ac="http://schemas.microsoft.com/office/drawing/2013/main/command" xmlns:pc="http://schemas.microsoft.com/office/powerpoint/2013/main/command">
   <pc:docChgLst>
-    <pc:chgData name="Judson Santiago" userId="ebb108da2f256286" providerId="LiveId" clId="{7C54BD93-FF6A-4AA1-9ADD-BF498E64BCA4}"/>
+    <pc:chgData name="Judson Santiago" userId="ebb108da2f256286" providerId="LiveId" clId="{35DCDA65-A2A8-4227-A263-0B48C62ACBF3}"/>
+    <pc:docChg chg="undo redo custSel delSld modSld">
+      <pc:chgData name="Judson Santiago" userId="ebb108da2f256286" providerId="LiveId" clId="{35DCDA65-A2A8-4227-A263-0B48C62ACBF3}" dt="2021-02-26T04:03:44.752" v="137" actId="20577"/>
+      <pc:docMkLst>
+        <pc:docMk/>
+      </pc:docMkLst>
+      <pc:sldChg chg="modSp mod">
+        <pc:chgData name="Judson Santiago" userId="ebb108da2f256286" providerId="LiveId" clId="{35DCDA65-A2A8-4227-A263-0B48C62ACBF3}" dt="2021-02-26T03:20:13.928" v="130" actId="1076"/>
+        <pc:sldMkLst>
+          <pc:docMk/>
+          <pc:sldMk cId="0" sldId="272"/>
+        </pc:sldMkLst>
+        <pc:spChg chg="mod">
+          <ac:chgData name="Judson Santiago" userId="ebb108da2f256286" providerId="LiveId" clId="{35DCDA65-A2A8-4227-A263-0B48C62ACBF3}" dt="2021-02-26T03:20:13.928" v="130" actId="1076"/>
+          <ac:spMkLst>
+            <pc:docMk/>
+            <pc:sldMk cId="0" sldId="272"/>
+            <ac:spMk id="6" creationId="{3BC16B11-018E-4A1B-8FF1-F989CA2489AE}"/>
+          </ac:spMkLst>
+        </pc:spChg>
+        <pc:picChg chg="mod">
+          <ac:chgData name="Judson Santiago" userId="ebb108da2f256286" providerId="LiveId" clId="{35DCDA65-A2A8-4227-A263-0B48C62ACBF3}" dt="2021-02-26T03:20:13.928" v="130" actId="1076"/>
+          <ac:picMkLst>
+            <pc:docMk/>
+            <pc:sldMk cId="0" sldId="272"/>
+            <ac:picMk id="4" creationId="{26E19A0D-E57A-428F-B096-8547B8EACDA8}"/>
+          </ac:picMkLst>
+        </pc:picChg>
+      </pc:sldChg>
+      <pc:sldChg chg="addSp delSp modSp mod">
+        <pc:chgData name="Judson Santiago" userId="ebb108da2f256286" providerId="LiveId" clId="{35DCDA65-A2A8-4227-A263-0B48C62ACBF3}" dt="2021-02-26T03:20:22.457" v="131" actId="1076"/>
+        <pc:sldMkLst>
+          <pc:docMk/>
+          <pc:sldMk cId="0" sldId="277"/>
+        </pc:sldMkLst>
+        <pc:spChg chg="del">
+          <ac:chgData name="Judson Santiago" userId="ebb108da2f256286" providerId="LiveId" clId="{35DCDA65-A2A8-4227-A263-0B48C62ACBF3}" dt="2021-02-26T03:19:48.228" v="126" actId="478"/>
+          <ac:spMkLst>
+            <pc:docMk/>
+            <pc:sldMk cId="0" sldId="277"/>
+            <ac:spMk id="6" creationId="{47A13BBA-B095-4801-A6DE-3BDBC743B665}"/>
+          </ac:spMkLst>
+        </pc:spChg>
+        <pc:spChg chg="add mod">
+          <ac:chgData name="Judson Santiago" userId="ebb108da2f256286" providerId="LiveId" clId="{35DCDA65-A2A8-4227-A263-0B48C62ACBF3}" dt="2021-02-26T03:20:22.457" v="131" actId="1076"/>
+          <ac:spMkLst>
+            <pc:docMk/>
+            <pc:sldMk cId="0" sldId="277"/>
+            <ac:spMk id="7" creationId="{2C92FFA0-8E3B-46FB-B76F-3A59DE4687B7}"/>
+          </ac:spMkLst>
+        </pc:spChg>
+        <pc:picChg chg="mod">
+          <ac:chgData name="Judson Santiago" userId="ebb108da2f256286" providerId="LiveId" clId="{35DCDA65-A2A8-4227-A263-0B48C62ACBF3}" dt="2021-02-26T03:20:22.457" v="131" actId="1076"/>
+          <ac:picMkLst>
+            <pc:docMk/>
+            <pc:sldMk cId="0" sldId="277"/>
+            <ac:picMk id="4" creationId="{3BB3AAF9-89A5-4E64-84B9-49949EDC61B8}"/>
+          </ac:picMkLst>
+        </pc:picChg>
+      </pc:sldChg>
+      <pc:sldChg chg="modSp mod modNotesTx">
+        <pc:chgData name="Judson Santiago" userId="ebb108da2f256286" providerId="LiveId" clId="{35DCDA65-A2A8-4227-A263-0B48C62ACBF3}" dt="2021-02-26T04:03:44.752" v="137" actId="20577"/>
+        <pc:sldMkLst>
+          <pc:docMk/>
+          <pc:sldMk cId="2837393331" sldId="293"/>
+        </pc:sldMkLst>
+        <pc:spChg chg="mod">
+          <ac:chgData name="Judson Santiago" userId="ebb108da2f256286" providerId="LiveId" clId="{35DCDA65-A2A8-4227-A263-0B48C62ACBF3}" dt="2021-02-26T04:02:47.002" v="136" actId="20577"/>
+          <ac:spMkLst>
+            <pc:docMk/>
+            <pc:sldMk cId="2837393331" sldId="293"/>
+            <ac:spMk id="3" creationId="{00000000-0000-0000-0000-000000000000}"/>
+          </ac:spMkLst>
+        </pc:spChg>
+      </pc:sldChg>
+      <pc:sldChg chg="modSp mod">
+        <pc:chgData name="Judson Santiago" userId="ebb108da2f256286" providerId="LiveId" clId="{35DCDA65-A2A8-4227-A263-0B48C62ACBF3}" dt="2021-02-26T02:55:28.306" v="36" actId="20577"/>
+        <pc:sldMkLst>
+          <pc:docMk/>
+          <pc:sldMk cId="3944574912" sldId="297"/>
+        </pc:sldMkLst>
+        <pc:spChg chg="mod">
+          <ac:chgData name="Judson Santiago" userId="ebb108da2f256286" providerId="LiveId" clId="{35DCDA65-A2A8-4227-A263-0B48C62ACBF3}" dt="2021-02-26T02:55:28.306" v="36" actId="20577"/>
+          <ac:spMkLst>
+            <pc:docMk/>
+            <pc:sldMk cId="3944574912" sldId="297"/>
+            <ac:spMk id="3" creationId="{00000000-0000-0000-0000-000000000000}"/>
+          </ac:spMkLst>
+        </pc:spChg>
+      </pc:sldChg>
+      <pc:sldChg chg="del">
+        <pc:chgData name="Judson Santiago" userId="ebb108da2f256286" providerId="LiveId" clId="{35DCDA65-A2A8-4227-A263-0B48C62ACBF3}" dt="2021-02-26T02:45:09.981" v="1" actId="47"/>
+        <pc:sldMkLst>
+          <pc:docMk/>
+          <pc:sldMk cId="191132267" sldId="298"/>
+        </pc:sldMkLst>
+      </pc:sldChg>
+      <pc:sldChg chg="delSp modSp mod modNotesTx">
+        <pc:chgData name="Judson Santiago" userId="ebb108da2f256286" providerId="LiveId" clId="{35DCDA65-A2A8-4227-A263-0B48C62ACBF3}" dt="2021-02-26T03:01:15.346" v="87" actId="20577"/>
+        <pc:sldMkLst>
+          <pc:docMk/>
+          <pc:sldMk cId="1600955318" sldId="299"/>
+        </pc:sldMkLst>
+        <pc:spChg chg="mod">
+          <ac:chgData name="Judson Santiago" userId="ebb108da2f256286" providerId="LiveId" clId="{35DCDA65-A2A8-4227-A263-0B48C62ACBF3}" dt="2021-02-26T03:01:15.346" v="87" actId="20577"/>
+          <ac:spMkLst>
+            <pc:docMk/>
+            <pc:sldMk cId="1600955318" sldId="299"/>
+            <ac:spMk id="3" creationId="{00000000-0000-0000-0000-000000000000}"/>
+          </ac:spMkLst>
+        </pc:spChg>
+        <pc:grpChg chg="del">
+          <ac:chgData name="Judson Santiago" userId="ebb108da2f256286" providerId="LiveId" clId="{35DCDA65-A2A8-4227-A263-0B48C62ACBF3}" dt="2021-02-26T02:53:47.797" v="29" actId="478"/>
+          <ac:grpSpMkLst>
+            <pc:docMk/>
+            <pc:sldMk cId="1600955318" sldId="299"/>
+            <ac:grpSpMk id="4" creationId="{7133769A-FD12-4E95-B5DA-92A73C6E33BD}"/>
+          </ac:grpSpMkLst>
+        </pc:grpChg>
+      </pc:sldChg>
+      <pc:sldChg chg="modSp mod">
+        <pc:chgData name="Judson Santiago" userId="ebb108da2f256286" providerId="LiveId" clId="{35DCDA65-A2A8-4227-A263-0B48C62ACBF3}" dt="2021-02-26T03:01:18.456" v="89" actId="20577"/>
+        <pc:sldMkLst>
+          <pc:docMk/>
+          <pc:sldMk cId="3110083420" sldId="301"/>
+        </pc:sldMkLst>
+        <pc:graphicFrameChg chg="modGraphic">
+          <ac:chgData name="Judson Santiago" userId="ebb108da2f256286" providerId="LiveId" clId="{35DCDA65-A2A8-4227-A263-0B48C62ACBF3}" dt="2021-02-26T03:01:18.456" v="89" actId="20577"/>
+          <ac:graphicFrameMkLst>
+            <pc:docMk/>
+            <pc:sldMk cId="3110083420" sldId="301"/>
+            <ac:graphicFrameMk id="4" creationId="{00000000-0000-0000-0000-000000000000}"/>
+          </ac:graphicFrameMkLst>
+        </pc:graphicFrameChg>
+      </pc:sldChg>
+    </pc:docChg>
+  </pc:docChgLst>
+  <pc:docChgLst>
+    <pc:chgData name="Judson Santiago" userId="ebb108da2f256286" providerId="LiveId" clId="{525EFD57-A25F-47FF-A27A-13033B6E3483}"/>
+    <pc:docChg chg="custSel modSld">
+      <pc:chgData name="Judson Santiago" userId="ebb108da2f256286" providerId="LiveId" clId="{525EFD57-A25F-47FF-A27A-13033B6E3483}" dt="2019-09-19T23:55:08.740" v="9" actId="20577"/>
+      <pc:docMkLst>
+        <pc:docMk/>
+      </pc:docMkLst>
+      <pc:sldChg chg="modNotesTx">
+        <pc:chgData name="Judson Santiago" userId="ebb108da2f256286" providerId="LiveId" clId="{525EFD57-A25F-47FF-A27A-13033B6E3483}" dt="2019-09-19T23:55:08.740" v="9" actId="20577"/>
+        <pc:sldMkLst>
+          <pc:docMk/>
+          <pc:sldMk cId="3944574912" sldId="297"/>
+        </pc:sldMkLst>
+      </pc:sldChg>
+    </pc:docChg>
   </pc:docChgLst>
   <pc:docChgLst>
     <pc:chgData name="Judson Santiago" userId="ebb108da2f256286" providerId="LiveId" clId="{47190EF1-85C1-4AE7-82DC-1D8E4F5D8C80}"/>
@@ -1918,31 +2076,6 @@
       </pc:sldChg>
     </pc:docChg>
   </pc:docChgLst>
-  <pc:docChgLst>
-    <pc:chgData name="Judson Santiago" userId="ebb108da2f256286" providerId="LiveId" clId="{5EFB0D1B-FD30-4711-8797-FB5DF8716ED4}"/>
-  </pc:docChgLst>
-  <pc:docChgLst>
-    <pc:chgData name="Judson Santiago" userId="ebb108da2f256286" providerId="LiveId" clId="{44C0AEAE-5C46-4D1F-ABA6-3E57970B6671}"/>
-  </pc:docChgLst>
-  <pc:docChgLst>
-    <pc:chgData name="Judson Santiago" userId="ebb108da2f256286" providerId="LiveId" clId="{7AB4689F-74B7-47DE-B0EE-FB573A716713}"/>
-  </pc:docChgLst>
-  <pc:docChgLst>
-    <pc:chgData name="Judson Santiago" userId="ebb108da2f256286" providerId="LiveId" clId="{525EFD57-A25F-47FF-A27A-13033B6E3483}"/>
-    <pc:docChg chg="custSel modSld">
-      <pc:chgData name="Judson Santiago" userId="ebb108da2f256286" providerId="LiveId" clId="{525EFD57-A25F-47FF-A27A-13033B6E3483}" dt="2019-09-19T23:55:08.740" v="9" actId="20577"/>
-      <pc:docMkLst>
-        <pc:docMk/>
-      </pc:docMkLst>
-      <pc:sldChg chg="modNotesTx">
-        <pc:chgData name="Judson Santiago" userId="ebb108da2f256286" providerId="LiveId" clId="{525EFD57-A25F-47FF-A27A-13033B6E3483}" dt="2019-09-19T23:55:08.740" v="9" actId="20577"/>
-        <pc:sldMkLst>
-          <pc:docMk/>
-          <pc:sldMk cId="3944574912" sldId="297"/>
-        </pc:sldMkLst>
-      </pc:sldChg>
-    </pc:docChg>
-  </pc:docChgLst>
 </pc:chgInfo>
 </file>
 
@@ -2028,7 +2161,7 @@
           <a:p>
             <a:fld id="{E45C56DC-66E1-4B12-ABC0-96CA999D5C75}" type="datetimeFigureOut">
               <a:rPr lang="pt-BR" smtClean="0"/>
-              <a:t>19/09/2019</a:t>
+              <a:t>25/02/2021</a:t>
             </a:fld>
             <a:endParaRPr lang="pt-BR"/>
           </a:p>
@@ -2194,7 +2327,7 @@
             <a:fld id="{57F483FD-FA47-4D7D-BBCD-C74C3F9B7474}" type="datetimeFigureOut">
               <a:rPr lang="pt-BR" smtClean="0"/>
               <a:pPr/>
-              <a:t>19/09/2019</a:t>
+              <a:t>25/02/2021</a:t>
             </a:fld>
             <a:endParaRPr lang="pt-BR"/>
           </a:p>
@@ -2661,7 +2794,7 @@
             <a:fld id="{6AF2F81C-3F53-42F9-BE4C-7ED0FD39D783}" type="slidenum">
               <a:rPr lang="pt-BR" smtClean="0"/>
               <a:pPr/>
-              <a:t>16</a:t>
+              <a:t>15</a:t>
             </a:fld>
             <a:endParaRPr lang="pt-BR"/>
           </a:p>
@@ -2780,7 +2913,7 @@
             <a:fld id="{6AF2F81C-3F53-42F9-BE4C-7ED0FD39D783}" type="slidenum">
               <a:rPr lang="pt-BR" smtClean="0"/>
               <a:pPr/>
-              <a:t>18</a:t>
+              <a:t>17</a:t>
             </a:fld>
             <a:endParaRPr lang="pt-BR"/>
           </a:p>
@@ -2888,7 +3021,7 @@
             <a:fld id="{6AF2F81C-3F53-42F9-BE4C-7ED0FD39D783}" type="slidenum">
               <a:rPr lang="pt-BR" smtClean="0"/>
               <a:pPr/>
-              <a:t>19</a:t>
+              <a:t>18</a:t>
             </a:fld>
             <a:endParaRPr lang="pt-BR"/>
           </a:p>
@@ -2987,7 +3120,7 @@
             <a:fld id="{6AF2F81C-3F53-42F9-BE4C-7ED0FD39D783}" type="slidenum">
               <a:rPr lang="pt-BR" smtClean="0"/>
               <a:pPr/>
-              <a:t>20</a:t>
+              <a:t>19</a:t>
             </a:fld>
             <a:endParaRPr lang="pt-BR"/>
           </a:p>
@@ -3087,7 +3220,7 @@
             <a:fld id="{6AF2F81C-3F53-42F9-BE4C-7ED0FD39D783}" type="slidenum">
               <a:rPr lang="pt-BR" smtClean="0"/>
               <a:pPr/>
-              <a:t>21</a:t>
+              <a:t>20</a:t>
             </a:fld>
             <a:endParaRPr lang="pt-BR"/>
           </a:p>
@@ -3187,7 +3320,7 @@
             <a:fld id="{6AF2F81C-3F53-42F9-BE4C-7ED0FD39D783}" type="slidenum">
               <a:rPr lang="pt-BR" smtClean="0"/>
               <a:pPr/>
-              <a:t>22</a:t>
+              <a:t>21</a:t>
             </a:fld>
             <a:endParaRPr lang="pt-BR"/>
           </a:p>
@@ -3287,7 +3420,7 @@
             <a:fld id="{6AF2F81C-3F53-42F9-BE4C-7ED0FD39D783}" type="slidenum">
               <a:rPr lang="pt-BR" smtClean="0"/>
               <a:pPr/>
-              <a:t>23</a:t>
+              <a:t>22</a:t>
             </a:fld>
             <a:endParaRPr lang="pt-BR"/>
           </a:p>
@@ -3398,7 +3531,7 @@
             <a:fld id="{6AF2F81C-3F53-42F9-BE4C-7ED0FD39D783}" type="slidenum">
               <a:rPr lang="pt-BR" smtClean="0"/>
               <a:pPr/>
-              <a:t>24</a:t>
+              <a:t>23</a:t>
             </a:fld>
             <a:endParaRPr lang="pt-BR"/>
           </a:p>
@@ -3498,7 +3631,7 @@
             <a:fld id="{6AF2F81C-3F53-42F9-BE4C-7ED0FD39D783}" type="slidenum">
               <a:rPr lang="pt-BR" smtClean="0"/>
               <a:pPr/>
-              <a:t>25</a:t>
+              <a:t>24</a:t>
             </a:fld>
             <a:endParaRPr lang="pt-BR"/>
           </a:p>
@@ -3606,7 +3739,7 @@
             <a:fld id="{6AF2F81C-3F53-42F9-BE4C-7ED0FD39D783}" type="slidenum">
               <a:rPr lang="pt-BR" smtClean="0"/>
               <a:pPr/>
-              <a:t>26</a:t>
+              <a:t>25</a:t>
             </a:fld>
             <a:endParaRPr lang="pt-BR"/>
           </a:p>
@@ -3824,7 +3957,7 @@
             <a:fld id="{6AF2F81C-3F53-42F9-BE4C-7ED0FD39D783}" type="slidenum">
               <a:rPr lang="pt-BR" smtClean="0"/>
               <a:pPr/>
-              <a:t>27</a:t>
+              <a:t>26</a:t>
             </a:fld>
             <a:endParaRPr lang="pt-BR"/>
           </a:p>
@@ -3936,7 +4069,7 @@
             <a:fld id="{6AF2F81C-3F53-42F9-BE4C-7ED0FD39D783}" type="slidenum">
               <a:rPr lang="pt-BR" smtClean="0"/>
               <a:pPr/>
-              <a:t>28</a:t>
+              <a:t>27</a:t>
             </a:fld>
             <a:endParaRPr lang="pt-BR"/>
           </a:p>
@@ -4047,7 +4180,7 @@
             <a:fld id="{6AF2F81C-3F53-42F9-BE4C-7ED0FD39D783}" type="slidenum">
               <a:rPr lang="pt-BR" smtClean="0"/>
               <a:pPr/>
-              <a:t>29</a:t>
+              <a:t>28</a:t>
             </a:fld>
             <a:endParaRPr lang="pt-BR"/>
           </a:p>
@@ -4147,7 +4280,7 @@
             <a:fld id="{6AF2F81C-3F53-42F9-BE4C-7ED0FD39D783}" type="slidenum">
               <a:rPr lang="pt-BR" smtClean="0"/>
               <a:pPr/>
-              <a:t>30</a:t>
+              <a:t>29</a:t>
             </a:fld>
             <a:endParaRPr lang="pt-BR"/>
           </a:p>
@@ -4247,7 +4380,7 @@
             <a:fld id="{6AF2F81C-3F53-42F9-BE4C-7ED0FD39D783}" type="slidenum">
               <a:rPr lang="pt-BR" smtClean="0"/>
               <a:pPr/>
-              <a:t>31</a:t>
+              <a:t>30</a:t>
             </a:fld>
             <a:endParaRPr lang="pt-BR"/>
           </a:p>
@@ -4364,7 +4497,7 @@
             <a:fld id="{6AF2F81C-3F53-42F9-BE4C-7ED0FD39D783}" type="slidenum">
               <a:rPr lang="pt-BR" smtClean="0"/>
               <a:pPr/>
-              <a:t>32</a:t>
+              <a:t>31</a:t>
             </a:fld>
             <a:endParaRPr lang="pt-BR"/>
           </a:p>
@@ -4473,7 +4606,7 @@
             <a:fld id="{6AF2F81C-3F53-42F9-BE4C-7ED0FD39D783}" type="slidenum">
               <a:rPr lang="pt-BR" smtClean="0"/>
               <a:pPr/>
-              <a:t>33</a:t>
+              <a:t>32</a:t>
             </a:fld>
             <a:endParaRPr lang="pt-BR"/>
           </a:p>
@@ -4563,7 +4696,7 @@
             <a:fld id="{6AF2F81C-3F53-42F9-BE4C-7ED0FD39D783}" type="slidenum">
               <a:rPr lang="pt-BR" smtClean="0"/>
               <a:pPr/>
-              <a:t>34</a:t>
+              <a:t>33</a:t>
             </a:fld>
             <a:endParaRPr lang="pt-BR"/>
           </a:p>
@@ -4648,7 +4781,7 @@
             <a:fld id="{6AF2F81C-3F53-42F9-BE4C-7ED0FD39D783}" type="slidenum">
               <a:rPr lang="pt-BR" smtClean="0"/>
               <a:pPr/>
-              <a:t>36</a:t>
+              <a:t>35</a:t>
             </a:fld>
             <a:endParaRPr lang="pt-BR"/>
           </a:p>
@@ -4711,18 +4844,7 @@
           <a:bodyPr/>
           <a:lstStyle/>
           <a:p>
-            <a:r>
-              <a:rPr lang="pt-BR" dirty="0"/>
-              <a:t>* A criação de um CMakeList.txt e utilização da ferramenta </a:t>
-            </a:r>
-            <a:r>
-              <a:rPr lang="pt-BR" dirty="0" err="1"/>
-              <a:t>CMake</a:t>
-            </a:r>
-            <a:r>
-              <a:rPr lang="pt-BR" dirty="0"/>
-              <a:t> não serão abordados no curso.</a:t>
-            </a:r>
+            <a:endParaRPr lang="pt-BR" dirty="0"/>
           </a:p>
         </p:txBody>
       </p:sp>
@@ -4744,7 +4866,7 @@
             <a:fld id="{6AF2F81C-3F53-42F9-BE4C-7ED0FD39D783}" type="slidenum">
               <a:rPr lang="pt-BR" smtClean="0"/>
               <a:pPr/>
-              <a:t>41</a:t>
+              <a:t>40</a:t>
             </a:fld>
             <a:endParaRPr lang="pt-BR"/>
           </a:p>
@@ -4824,30 +4946,11 @@
               <a:tabLst/>
               <a:defRPr/>
             </a:pPr>
-            <a:r>
-              <a:rPr lang="pt-BR" sz="1200" dirty="0">
-                <a:solidFill>
-                  <a:schemeClr val="bg1"/>
-                </a:solidFill>
-              </a:rPr>
-              <a:t>» Mostrar compilação de um </a:t>
-            </a:r>
-            <a:r>
-              <a:rPr lang="pt-BR" sz="1200" dirty="0" err="1">
-                <a:solidFill>
-                  <a:schemeClr val="bg1"/>
-                </a:solidFill>
-              </a:rPr>
-              <a:t>Hello</a:t>
-            </a:r>
-            <a:r>
-              <a:rPr lang="pt-BR" sz="1200" dirty="0">
-                <a:solidFill>
-                  <a:schemeClr val="bg1"/>
-                </a:solidFill>
-              </a:rPr>
-              <a:t> World na linha de comando do Linux</a:t>
-            </a:r>
+            <a:endParaRPr lang="pt-BR" sz="1200" dirty="0">
+              <a:solidFill>
+                <a:schemeClr val="bg1"/>
+              </a:solidFill>
+            </a:endParaRPr>
           </a:p>
         </p:txBody>
       </p:sp>
@@ -4869,7 +4972,7 @@
             <a:fld id="{6AF2F81C-3F53-42F9-BE4C-7ED0FD39D783}" type="slidenum">
               <a:rPr lang="pt-BR" smtClean="0"/>
               <a:pPr/>
-              <a:t>5</a:t>
+              <a:t>4</a:t>
             </a:fld>
             <a:endParaRPr lang="pt-BR"/>
           </a:p>
@@ -4954,7 +5057,7 @@
             <a:fld id="{6AF2F81C-3F53-42F9-BE4C-7ED0FD39D783}" type="slidenum">
               <a:rPr lang="pt-BR" smtClean="0"/>
               <a:pPr/>
-              <a:t>7</a:t>
+              <a:t>6</a:t>
             </a:fld>
             <a:endParaRPr lang="pt-BR"/>
           </a:p>
@@ -5042,7 +5145,7 @@
             <a:fld id="{6AF2F81C-3F53-42F9-BE4C-7ED0FD39D783}" type="slidenum">
               <a:rPr lang="pt-BR" smtClean="0"/>
               <a:pPr/>
-              <a:t>8</a:t>
+              <a:t>7</a:t>
             </a:fld>
             <a:endParaRPr lang="pt-BR"/>
           </a:p>
@@ -5162,7 +5265,7 @@
             <a:fld id="{6AF2F81C-3F53-42F9-BE4C-7ED0FD39D783}" type="slidenum">
               <a:rPr lang="pt-BR" smtClean="0"/>
               <a:pPr/>
-              <a:t>9</a:t>
+              <a:t>8</a:t>
             </a:fld>
             <a:endParaRPr lang="pt-BR"/>
           </a:p>
@@ -5254,7 +5357,7 @@
             <a:fld id="{6AF2F81C-3F53-42F9-BE4C-7ED0FD39D783}" type="slidenum">
               <a:rPr lang="pt-BR" smtClean="0"/>
               <a:pPr/>
-              <a:t>10</a:t>
+              <a:t>9</a:t>
             </a:fld>
             <a:endParaRPr lang="pt-BR"/>
           </a:p>
@@ -5354,7 +5457,7 @@
             <a:fld id="{6AF2F81C-3F53-42F9-BE4C-7ED0FD39D783}" type="slidenum">
               <a:rPr lang="pt-BR" smtClean="0"/>
               <a:pPr/>
-              <a:t>11</a:t>
+              <a:t>10</a:t>
             </a:fld>
             <a:endParaRPr lang="pt-BR"/>
           </a:p>
@@ -5462,7 +5565,7 @@
             <a:fld id="{6AF2F81C-3F53-42F9-BE4C-7ED0FD39D783}" type="slidenum">
               <a:rPr lang="pt-BR" smtClean="0"/>
               <a:pPr/>
-              <a:t>15</a:t>
+              <a:t>14</a:t>
             </a:fld>
             <a:endParaRPr lang="pt-BR"/>
           </a:p>
@@ -5516,7 +5619,7 @@
             <a:fld id="{D2923C0D-D3B4-411E-A907-21D2A1299C83}" type="datetimeFigureOut">
               <a:rPr lang="pt-BR" smtClean="0"/>
               <a:pPr/>
-              <a:t>19/09/2019</a:t>
+              <a:t>25/02/2021</a:t>
             </a:fld>
             <a:endParaRPr lang="pt-BR"/>
           </a:p>
@@ -6071,7 +6174,7 @@
             <a:fld id="{D2923C0D-D3B4-411E-A907-21D2A1299C83}" type="datetimeFigureOut">
               <a:rPr lang="pt-BR" smtClean="0"/>
               <a:pPr/>
-              <a:t>19/09/2019</a:t>
+              <a:t>25/02/2021</a:t>
             </a:fld>
             <a:endParaRPr lang="pt-BR"/>
           </a:p>
@@ -6248,7 +6351,7 @@
             <a:fld id="{D2923C0D-D3B4-411E-A907-21D2A1299C83}" type="datetimeFigureOut">
               <a:rPr lang="pt-BR" smtClean="0"/>
               <a:pPr/>
-              <a:t>19/09/2019</a:t>
+              <a:t>25/02/2021</a:t>
             </a:fld>
             <a:endParaRPr lang="pt-BR"/>
           </a:p>
@@ -6415,7 +6518,7 @@
             <a:fld id="{D2923C0D-D3B4-411E-A907-21D2A1299C83}" type="datetimeFigureOut">
               <a:rPr lang="pt-BR" smtClean="0"/>
               <a:pPr/>
-              <a:t>19/09/2019</a:t>
+              <a:t>25/02/2021</a:t>
             </a:fld>
             <a:endParaRPr lang="pt-BR"/>
           </a:p>
@@ -7864,7 +7967,7 @@
             <a:fld id="{D2923C0D-D3B4-411E-A907-21D2A1299C83}" type="datetimeFigureOut">
               <a:rPr lang="pt-BR" smtClean="0"/>
               <a:pPr/>
-              <a:t>19/09/2019</a:t>
+              <a:t>25/02/2021</a:t>
             </a:fld>
             <a:endParaRPr lang="pt-BR"/>
           </a:p>
@@ -8446,7 +8549,7 @@
             <a:fld id="{D2923C0D-D3B4-411E-A907-21D2A1299C83}" type="datetimeFigureOut">
               <a:rPr lang="pt-BR" smtClean="0"/>
               <a:pPr/>
-              <a:t>19/09/2019</a:t>
+              <a:t>25/02/2021</a:t>
             </a:fld>
             <a:endParaRPr lang="pt-BR"/>
           </a:p>
@@ -8877,7 +8980,7 @@
             <a:fld id="{D2923C0D-D3B4-411E-A907-21D2A1299C83}" type="datetimeFigureOut">
               <a:rPr lang="pt-BR" smtClean="0"/>
               <a:pPr/>
-              <a:t>19/09/2019</a:t>
+              <a:t>25/02/2021</a:t>
             </a:fld>
             <a:endParaRPr lang="pt-BR"/>
           </a:p>
@@ -9416,7 +9519,7 @@
             <a:fld id="{D2923C0D-D3B4-411E-A907-21D2A1299C83}" type="datetimeFigureOut">
               <a:rPr lang="pt-BR" smtClean="0"/>
               <a:pPr/>
-              <a:t>19/09/2019</a:t>
+              <a:t>25/02/2021</a:t>
             </a:fld>
             <a:endParaRPr lang="pt-BR"/>
           </a:p>
@@ -9508,7 +9611,7 @@
             <a:fld id="{D2923C0D-D3B4-411E-A907-21D2A1299C83}" type="datetimeFigureOut">
               <a:rPr lang="pt-BR" smtClean="0"/>
               <a:pPr/>
-              <a:t>19/09/2019</a:t>
+              <a:t>25/02/2021</a:t>
             </a:fld>
             <a:endParaRPr lang="pt-BR"/>
           </a:p>
@@ -9758,7 +9861,7 @@
             <a:fld id="{D2923C0D-D3B4-411E-A907-21D2A1299C83}" type="datetimeFigureOut">
               <a:rPr lang="pt-BR" smtClean="0"/>
               <a:pPr/>
-              <a:t>19/09/2019</a:t>
+              <a:t>25/02/2021</a:t>
             </a:fld>
             <a:endParaRPr lang="pt-BR"/>
           </a:p>
@@ -10473,7 +10576,7 @@
             <a:fld id="{D2923C0D-D3B4-411E-A907-21D2A1299C83}" type="datetimeFigureOut">
               <a:rPr lang="pt-BR" smtClean="0"/>
               <a:pPr/>
-              <a:t>19/09/2019</a:t>
+              <a:t>25/02/2021</a:t>
             </a:fld>
             <a:endParaRPr lang="pt-BR"/>
           </a:p>
@@ -10740,7 +10843,7 @@
             <a:fld id="{D2923C0D-D3B4-411E-A907-21D2A1299C83}" type="datetimeFigureOut">
               <a:rPr lang="pt-BR" smtClean="0"/>
               <a:pPr/>
-              <a:t>19/09/2019</a:t>
+              <a:t>25/02/2021</a:t>
             </a:fld>
             <a:endParaRPr lang="pt-BR"/>
           </a:p>
@@ -11403,257 +11506,6 @@
       </p:grpSpPr>
       <p:pic>
         <p:nvPicPr>
-          <p:cNvPr id="5" name="Imagem 4">
-            <a:extLst>
-              <a:ext uri="{FF2B5EF4-FFF2-40B4-BE49-F238E27FC236}">
-                <a16:creationId xmlns:a16="http://schemas.microsoft.com/office/drawing/2014/main" id="{256F5997-C5D6-4036-B5DC-585EA857A6B5}"/>
-              </a:ext>
-            </a:extLst>
-          </p:cNvPr>
-          <p:cNvPicPr>
-            <a:picLocks noChangeAspect="1"/>
-          </p:cNvPicPr>
-          <p:nvPr/>
-        </p:nvPicPr>
-        <p:blipFill rotWithShape="1">
-          <a:blip r:embed="rId3">
-            <a:extLst>
-              <a:ext uri="{28A0092B-C50C-407E-A947-70E740481C1C}">
-                <a14:useLocalDpi xmlns:a14="http://schemas.microsoft.com/office/drawing/2010/main"/>
-              </a:ext>
-            </a:extLst>
-          </a:blip>
-          <a:srcRect/>
-          <a:stretch/>
-        </p:blipFill>
-        <p:spPr>
-          <a:xfrm>
-            <a:off x="2279576" y="1975164"/>
-            <a:ext cx="7903955" cy="3763119"/>
-          </a:xfrm>
-          <a:prstGeom prst="rect">
-            <a:avLst/>
-          </a:prstGeom>
-        </p:spPr>
-      </p:pic>
-      <p:sp>
-        <p:nvSpPr>
-          <p:cNvPr id="2" name="Título 1"/>
-          <p:cNvSpPr>
-            <a:spLocks noGrp="1"/>
-          </p:cNvSpPr>
-          <p:nvPr>
-            <p:ph type="title"/>
-          </p:nvPr>
-        </p:nvSpPr>
-        <p:spPr/>
-        <p:txBody>
-          <a:bodyPr/>
-          <a:lstStyle/>
-          <a:p>
-            <a:r>
-              <a:rPr lang="pt-BR" dirty="0"/>
-              <a:t>Criando um Projeto</a:t>
-            </a:r>
-          </a:p>
-        </p:txBody>
-      </p:sp>
-      <p:sp>
-        <p:nvSpPr>
-          <p:cNvPr id="3" name="Espaço Reservado para Conteúdo 2"/>
-          <p:cNvSpPr>
-            <a:spLocks noGrp="1"/>
-          </p:cNvSpPr>
-          <p:nvPr>
-            <p:ph idx="1"/>
-          </p:nvPr>
-        </p:nvSpPr>
-        <p:spPr>
-          <a:xfrm>
-            <a:off x="1219200" y="1268760"/>
-            <a:ext cx="9005862" cy="1000132"/>
-          </a:xfrm>
-        </p:spPr>
-        <p:txBody>
-          <a:bodyPr>
-            <a:noAutofit/>
-          </a:bodyPr>
-          <a:lstStyle/>
-          <a:p>
-            <a:pPr>
-              <a:buNone/>
-            </a:pPr>
-            <a:r>
-              <a:rPr lang="pt-BR" sz="2000" dirty="0"/>
-              <a:t>Criar um projeto ProgComp:</a:t>
-            </a:r>
-          </a:p>
-        </p:txBody>
-      </p:sp>
-      <p:sp>
-        <p:nvSpPr>
-          <p:cNvPr id="10" name="Retângulo 9"/>
-          <p:cNvSpPr/>
-          <p:nvPr/>
-        </p:nvSpPr>
-        <p:spPr>
-          <a:xfrm>
-            <a:off x="2747979" y="4931251"/>
-            <a:ext cx="5229225" cy="360065"/>
-          </a:xfrm>
-          <a:prstGeom prst="rect">
-            <a:avLst/>
-          </a:prstGeom>
-          <a:noFill/>
-          <a:ln>
-            <a:solidFill>
-              <a:schemeClr val="accent3">
-                <a:lumMod val="75000"/>
-              </a:schemeClr>
-            </a:solidFill>
-          </a:ln>
-        </p:spPr>
-        <p:style>
-          <a:lnRef idx="2">
-            <a:schemeClr val="accent1">
-              <a:shade val="50000"/>
-            </a:schemeClr>
-          </a:lnRef>
-          <a:fillRef idx="1">
-            <a:schemeClr val="accent1"/>
-          </a:fillRef>
-          <a:effectRef idx="0">
-            <a:schemeClr val="accent1"/>
-          </a:effectRef>
-          <a:fontRef idx="minor">
-            <a:schemeClr val="lt1"/>
-          </a:fontRef>
-        </p:style>
-        <p:txBody>
-          <a:bodyPr rtlCol="0" anchor="ctr"/>
-          <a:lstStyle/>
-          <a:p>
-            <a:pPr algn="ctr"/>
-            <a:endParaRPr lang="pt-BR"/>
-          </a:p>
-        </p:txBody>
-      </p:sp>
-      <p:sp>
-        <p:nvSpPr>
-          <p:cNvPr id="12" name="Retângulo 11">
-            <a:extLst>
-              <a:ext uri="{FF2B5EF4-FFF2-40B4-BE49-F238E27FC236}">
-                <a16:creationId xmlns:a16="http://schemas.microsoft.com/office/drawing/2014/main" id="{D74EBE9C-4C29-40E1-A41B-1F8F552B15BA}"/>
-              </a:ext>
-            </a:extLst>
-          </p:cNvPr>
-          <p:cNvSpPr/>
-          <p:nvPr/>
-        </p:nvSpPr>
-        <p:spPr>
-          <a:xfrm>
-            <a:off x="2742004" y="3490127"/>
-            <a:ext cx="5248274" cy="324816"/>
-          </a:xfrm>
-          <a:prstGeom prst="rect">
-            <a:avLst/>
-          </a:prstGeom>
-          <a:noFill/>
-          <a:ln>
-            <a:solidFill>
-              <a:schemeClr val="accent3">
-                <a:lumMod val="75000"/>
-              </a:schemeClr>
-            </a:solidFill>
-          </a:ln>
-        </p:spPr>
-        <p:style>
-          <a:lnRef idx="2">
-            <a:schemeClr val="accent1">
-              <a:shade val="50000"/>
-            </a:schemeClr>
-          </a:lnRef>
-          <a:fillRef idx="1">
-            <a:schemeClr val="accent1"/>
-          </a:fillRef>
-          <a:effectRef idx="0">
-            <a:schemeClr val="accent1"/>
-          </a:effectRef>
-          <a:fontRef idx="minor">
-            <a:schemeClr val="lt1"/>
-          </a:fontRef>
-        </p:style>
-        <p:txBody>
-          <a:bodyPr rtlCol="0" anchor="ctr"/>
-          <a:lstStyle/>
-          <a:p>
-            <a:pPr algn="ctr"/>
-            <a:endParaRPr lang="pt-BR"/>
-          </a:p>
-        </p:txBody>
-      </p:sp>
-      <p:pic>
-        <p:nvPicPr>
-          <p:cNvPr id="6" name="Imagem 5">
-            <a:extLst>
-              <a:ext uri="{FF2B5EF4-FFF2-40B4-BE49-F238E27FC236}">
-                <a16:creationId xmlns:a16="http://schemas.microsoft.com/office/drawing/2014/main" id="{BC06A4F4-C496-4437-8291-43BE682CEB93}"/>
-              </a:ext>
-            </a:extLst>
-          </p:cNvPr>
-          <p:cNvPicPr>
-            <a:picLocks noChangeAspect="1"/>
-          </p:cNvPicPr>
-          <p:nvPr/>
-        </p:nvPicPr>
-        <p:blipFill rotWithShape="1">
-          <a:blip r:embed="rId4">
-            <a:extLst>
-              <a:ext uri="{28A0092B-C50C-407E-A947-70E740481C1C}">
-                <a14:useLocalDpi xmlns:a14="http://schemas.microsoft.com/office/drawing/2010/main"/>
-              </a:ext>
-            </a:extLst>
-          </a:blip>
-          <a:srcRect/>
-          <a:stretch/>
-        </p:blipFill>
-        <p:spPr>
-          <a:xfrm>
-            <a:off x="2279575" y="5738283"/>
-            <a:ext cx="7903955" cy="594333"/>
-          </a:xfrm>
-          <a:prstGeom prst="rect">
-            <a:avLst/>
-          </a:prstGeom>
-        </p:spPr>
-      </p:pic>
-    </p:spTree>
-  </p:cSld>
-  <p:clrMapOvr>
-    <a:masterClrMapping/>
-  </p:clrMapOvr>
-</p:sld>
-</file>
-
-<file path=ppt/slides/slide11.xml><?xml version="1.0" encoding="utf-8"?>
-<p:sld xmlns:a="http://schemas.openxmlformats.org/drawingml/2006/main" xmlns:r="http://schemas.openxmlformats.org/officeDocument/2006/relationships" xmlns:p="http://schemas.openxmlformats.org/presentationml/2006/main">
-  <p:cSld>
-    <p:spTree>
-      <p:nvGrpSpPr>
-        <p:cNvPr id="1" name=""/>
-        <p:cNvGrpSpPr/>
-        <p:nvPr/>
-      </p:nvGrpSpPr>
-      <p:grpSpPr>
-        <a:xfrm>
-          <a:off x="0" y="0"/>
-          <a:ext cx="0" cy="0"/>
-          <a:chOff x="0" y="0"/>
-          <a:chExt cx="0" cy="0"/>
-        </a:xfrm>
-      </p:grpSpPr>
-      <p:pic>
-        <p:nvPicPr>
           <p:cNvPr id="4" name="Imagem 3">
             <a:extLst>
               <a:ext uri="{FF2B5EF4-FFF2-40B4-BE49-F238E27FC236}">
@@ -11764,7 +11616,7 @@
 </p:sld>
 </file>
 
-<file path=ppt/slides/slide12.xml><?xml version="1.0" encoding="utf-8"?>
+<file path=ppt/slides/slide11.xml><?xml version="1.0" encoding="utf-8"?>
 <p:sld xmlns:a="http://schemas.openxmlformats.org/drawingml/2006/main" xmlns:r="http://schemas.openxmlformats.org/officeDocument/2006/relationships" xmlns:p="http://schemas.openxmlformats.org/presentationml/2006/main">
   <p:cSld>
     <p:spTree>
@@ -11951,7 +11803,7 @@
 </p:sld>
 </file>
 
-<file path=ppt/slides/slide13.xml><?xml version="1.0" encoding="utf-8"?>
+<file path=ppt/slides/slide12.xml><?xml version="1.0" encoding="utf-8"?>
 <p:sld xmlns:a="http://schemas.openxmlformats.org/drawingml/2006/main" xmlns:r="http://schemas.openxmlformats.org/officeDocument/2006/relationships" xmlns:p="http://schemas.openxmlformats.org/presentationml/2006/main">
   <p:cSld>
     <p:spTree>
@@ -12164,7 +12016,7 @@
 </p:sld>
 </file>
 
-<file path=ppt/slides/slide14.xml><?xml version="1.0" encoding="utf-8"?>
+<file path=ppt/slides/slide13.xml><?xml version="1.0" encoding="utf-8"?>
 <p:sld xmlns:a="http://schemas.openxmlformats.org/drawingml/2006/main" xmlns:r="http://schemas.openxmlformats.org/officeDocument/2006/relationships" xmlns:p="http://schemas.openxmlformats.org/presentationml/2006/main">
   <p:cSld>
     <p:spTree>
@@ -12385,7 +12237,7 @@
 </p:sld>
 </file>
 
-<file path=ppt/slides/slide15.xml><?xml version="1.0" encoding="utf-8"?>
+<file path=ppt/slides/slide14.xml><?xml version="1.0" encoding="utf-8"?>
 <p:sld xmlns:a="http://schemas.openxmlformats.org/drawingml/2006/main" xmlns:r="http://schemas.openxmlformats.org/officeDocument/2006/relationships" xmlns:p="http://schemas.openxmlformats.org/presentationml/2006/main">
   <p:cSld>
     <p:spTree>
@@ -12650,7 +12502,7 @@
 </p:sld>
 </file>
 
-<file path=ppt/slides/slide16.xml><?xml version="1.0" encoding="utf-8"?>
+<file path=ppt/slides/slide15.xml><?xml version="1.0" encoding="utf-8"?>
 <p:sld xmlns:a="http://schemas.openxmlformats.org/drawingml/2006/main" xmlns:r="http://schemas.openxmlformats.org/officeDocument/2006/relationships" xmlns:p="http://schemas.openxmlformats.org/presentationml/2006/main">
   <p:cSld>
     <p:spTree>
@@ -12984,7 +12836,7 @@
 </p:sld>
 </file>
 
-<file path=ppt/slides/slide17.xml><?xml version="1.0" encoding="utf-8"?>
+<file path=ppt/slides/slide16.xml><?xml version="1.0" encoding="utf-8"?>
 <p:sld xmlns:a="http://schemas.openxmlformats.org/drawingml/2006/main" xmlns:r="http://schemas.openxmlformats.org/officeDocument/2006/relationships" xmlns:p="http://schemas.openxmlformats.org/presentationml/2006/main">
   <p:cSld>
     <p:spTree>
@@ -13121,7 +12973,7 @@
 </p:sld>
 </file>
 
-<file path=ppt/slides/slide18.xml><?xml version="1.0" encoding="utf-8"?>
+<file path=ppt/slides/slide17.xml><?xml version="1.0" encoding="utf-8"?>
 <p:sld xmlns:a="http://schemas.openxmlformats.org/drawingml/2006/main" xmlns:r="http://schemas.openxmlformats.org/officeDocument/2006/relationships" xmlns:p="http://schemas.openxmlformats.org/presentationml/2006/main">
   <p:cSld>
     <p:spTree>
@@ -13439,7 +13291,7 @@
 </p:sld>
 </file>
 
-<file path=ppt/slides/slide19.xml><?xml version="1.0" encoding="utf-8"?>
+<file path=ppt/slides/slide18.xml><?xml version="1.0" encoding="utf-8"?>
 <p:sld xmlns:a="http://schemas.openxmlformats.org/drawingml/2006/main" xmlns:r="http://schemas.openxmlformats.org/officeDocument/2006/relationships" xmlns:p="http://schemas.openxmlformats.org/presentationml/2006/main">
   <p:cSld>
     <p:spTree>
@@ -13611,6 +13463,197 @@
           <a:p>
             <a:pPr algn="ctr"/>
             <a:endParaRPr lang="pt-BR"/>
+          </a:p>
+        </p:txBody>
+      </p:sp>
+    </p:spTree>
+  </p:cSld>
+  <p:clrMapOvr>
+    <a:masterClrMapping/>
+  </p:clrMapOvr>
+</p:sld>
+</file>
+
+<file path=ppt/slides/slide19.xml><?xml version="1.0" encoding="utf-8"?>
+<p:sld xmlns:a="http://schemas.openxmlformats.org/drawingml/2006/main" xmlns:r="http://schemas.openxmlformats.org/officeDocument/2006/relationships" xmlns:p="http://schemas.openxmlformats.org/presentationml/2006/main">
+  <p:cSld>
+    <p:spTree>
+      <p:nvGrpSpPr>
+        <p:cNvPr id="1" name=""/>
+        <p:cNvGrpSpPr/>
+        <p:nvPr/>
+      </p:nvGrpSpPr>
+      <p:grpSpPr>
+        <a:xfrm>
+          <a:off x="0" y="0"/>
+          <a:ext cx="0" cy="0"/>
+          <a:chOff x="0" y="0"/>
+          <a:chExt cx="0" cy="0"/>
+        </a:xfrm>
+      </p:grpSpPr>
+      <p:sp>
+        <p:nvSpPr>
+          <p:cNvPr id="2" name="Título 1"/>
+          <p:cNvSpPr>
+            <a:spLocks noGrp="1"/>
+          </p:cNvSpPr>
+          <p:nvPr>
+            <p:ph type="title"/>
+          </p:nvPr>
+        </p:nvSpPr>
+        <p:spPr/>
+        <p:txBody>
+          <a:bodyPr/>
+          <a:lstStyle/>
+          <a:p>
+            <a:r>
+              <a:rPr lang="pt-BR" dirty="0"/>
+              <a:t>Compilando um Programa</a:t>
+            </a:r>
+          </a:p>
+        </p:txBody>
+      </p:sp>
+      <p:sp>
+        <p:nvSpPr>
+          <p:cNvPr id="3" name="Espaço Reservado para Conteúdo 2"/>
+          <p:cNvSpPr>
+            <a:spLocks noGrp="1"/>
+          </p:cNvSpPr>
+          <p:nvPr>
+            <p:ph idx="1"/>
+          </p:nvPr>
+        </p:nvSpPr>
+        <p:spPr>
+          <a:xfrm>
+            <a:off x="1219200" y="1428736"/>
+            <a:ext cx="9005862" cy="1000132"/>
+          </a:xfrm>
+        </p:spPr>
+        <p:txBody>
+          <a:bodyPr>
+            <a:noAutofit/>
+          </a:bodyPr>
+          <a:lstStyle/>
+          <a:p>
+            <a:pPr>
+              <a:buNone/>
+            </a:pPr>
+            <a:r>
+              <a:rPr lang="pt-BR" sz="2000" dirty="0"/>
+              <a:t>O projeto precisa ser compilado antes de ser executado</a:t>
+            </a:r>
+          </a:p>
+          <a:p>
+            <a:pPr>
+              <a:buNone/>
+            </a:pPr>
+            <a:r>
+              <a:rPr lang="pt-BR" sz="2000" dirty="0">
+                <a:solidFill>
+                  <a:schemeClr val="accent3">
+                    <a:lumMod val="75000"/>
+                  </a:schemeClr>
+                </a:solidFill>
+              </a:rPr>
+              <a:t>Não mostrar esta caixa de diálogo novamente </a:t>
+            </a:r>
+            <a:r>
+              <a:rPr lang="pt-BR" sz="2000" dirty="0"/>
+              <a:t>&gt;</a:t>
+            </a:r>
+            <a:r>
+              <a:rPr lang="pt-BR" sz="2000" dirty="0">
+                <a:solidFill>
+                  <a:schemeClr val="accent3">
+                    <a:lumMod val="75000"/>
+                  </a:schemeClr>
+                </a:solidFill>
+              </a:rPr>
+              <a:t> Sim</a:t>
+            </a:r>
+          </a:p>
+        </p:txBody>
+      </p:sp>
+      <p:pic>
+        <p:nvPicPr>
+          <p:cNvPr id="4" name="Imagem 3">
+            <a:extLst>
+              <a:ext uri="{FF2B5EF4-FFF2-40B4-BE49-F238E27FC236}">
+                <a16:creationId xmlns:a16="http://schemas.microsoft.com/office/drawing/2014/main" id="{26E19A0D-E57A-428F-B096-8547B8EACDA8}"/>
+              </a:ext>
+            </a:extLst>
+          </p:cNvPr>
+          <p:cNvPicPr>
+            <a:picLocks noChangeAspect="1"/>
+          </p:cNvPicPr>
+          <p:nvPr/>
+        </p:nvPicPr>
+        <p:blipFill>
+          <a:blip r:embed="rId3"/>
+          <a:stretch>
+            <a:fillRect/>
+          </a:stretch>
+        </p:blipFill>
+        <p:spPr>
+          <a:xfrm>
+            <a:off x="2639616" y="2852936"/>
+            <a:ext cx="3286125" cy="3019425"/>
+          </a:xfrm>
+          <a:prstGeom prst="rect">
+            <a:avLst/>
+          </a:prstGeom>
+        </p:spPr>
+      </p:pic>
+      <p:sp>
+        <p:nvSpPr>
+          <p:cNvPr id="6" name="Retângulo 5">
+            <a:extLst>
+              <a:ext uri="{FF2B5EF4-FFF2-40B4-BE49-F238E27FC236}">
+                <a16:creationId xmlns:a16="http://schemas.microsoft.com/office/drawing/2014/main" id="{3BC16B11-018E-4A1B-8FF1-F989CA2489AE}"/>
+              </a:ext>
+            </a:extLst>
+          </p:cNvPr>
+          <p:cNvSpPr/>
+          <p:nvPr/>
+        </p:nvSpPr>
+        <p:spPr>
+          <a:xfrm>
+            <a:off x="6960096" y="3762483"/>
+            <a:ext cx="3384376" cy="1200329"/>
+          </a:xfrm>
+          <a:prstGeom prst="rect">
+            <a:avLst/>
+          </a:prstGeom>
+        </p:spPr>
+        <p:txBody>
+          <a:bodyPr wrap="square">
+            <a:spAutoFit/>
+          </a:bodyPr>
+          <a:lstStyle/>
+          <a:p>
+            <a:pPr algn="ctr"/>
+            <a:r>
+              <a:rPr lang="pt-BR" dirty="0"/>
+              <a:t>Marque a opção </a:t>
+            </a:r>
+            <a:br>
+              <a:rPr lang="pt-BR" dirty="0"/>
+            </a:br>
+            <a:r>
+              <a:rPr lang="pt-BR" dirty="0">
+                <a:solidFill>
+                  <a:schemeClr val="accent3">
+                    <a:lumMod val="60000"/>
+                    <a:lumOff val="40000"/>
+                  </a:schemeClr>
+                </a:solidFill>
+              </a:rPr>
+              <a:t>"Não mostrar esta caixa de diálogo novamente"</a:t>
+            </a:r>
+            <a:r>
+              <a:rPr lang="pt-BR" dirty="0"/>
+              <a:t> antes de responder a pergunta.</a:t>
+            </a:r>
           </a:p>
         </p:txBody>
       </p:sp>
@@ -15022,201 +15065,6 @@
             </a:pPr>
             <a:r>
               <a:rPr lang="pt-BR" sz="2000" dirty="0"/>
-              <a:t>O projeto precisa ser compilado antes de ser executado</a:t>
-            </a:r>
-          </a:p>
-          <a:p>
-            <a:pPr>
-              <a:buNone/>
-            </a:pPr>
-            <a:r>
-              <a:rPr lang="pt-BR" sz="2000" dirty="0">
-                <a:solidFill>
-                  <a:schemeClr val="accent3">
-                    <a:lumMod val="75000"/>
-                  </a:schemeClr>
-                </a:solidFill>
-              </a:rPr>
-              <a:t>Não mostrar esta caixa de diálogo novamente </a:t>
-            </a:r>
-            <a:r>
-              <a:rPr lang="pt-BR" sz="2000" dirty="0"/>
-              <a:t>&gt;</a:t>
-            </a:r>
-            <a:r>
-              <a:rPr lang="pt-BR" sz="2000" dirty="0">
-                <a:solidFill>
-                  <a:schemeClr val="accent3">
-                    <a:lumMod val="75000"/>
-                  </a:schemeClr>
-                </a:solidFill>
-              </a:rPr>
-              <a:t> Sim</a:t>
-            </a:r>
-          </a:p>
-        </p:txBody>
-      </p:sp>
-      <p:pic>
-        <p:nvPicPr>
-          <p:cNvPr id="4" name="Imagem 3">
-            <a:extLst>
-              <a:ext uri="{FF2B5EF4-FFF2-40B4-BE49-F238E27FC236}">
-                <a16:creationId xmlns:a16="http://schemas.microsoft.com/office/drawing/2014/main" id="{26E19A0D-E57A-428F-B096-8547B8EACDA8}"/>
-              </a:ext>
-            </a:extLst>
-          </p:cNvPr>
-          <p:cNvPicPr>
-            <a:picLocks noChangeAspect="1"/>
-          </p:cNvPicPr>
-          <p:nvPr/>
-        </p:nvPicPr>
-        <p:blipFill>
-          <a:blip r:embed="rId3"/>
-          <a:stretch>
-            <a:fillRect/>
-          </a:stretch>
-        </p:blipFill>
-        <p:spPr>
-          <a:xfrm>
-            <a:off x="2351584" y="2708920"/>
-            <a:ext cx="3286125" cy="3019425"/>
-          </a:xfrm>
-          <a:prstGeom prst="rect">
-            <a:avLst/>
-          </a:prstGeom>
-        </p:spPr>
-      </p:pic>
-      <p:sp>
-        <p:nvSpPr>
-          <p:cNvPr id="6" name="Retângulo 5">
-            <a:extLst>
-              <a:ext uri="{FF2B5EF4-FFF2-40B4-BE49-F238E27FC236}">
-                <a16:creationId xmlns:a16="http://schemas.microsoft.com/office/drawing/2014/main" id="{3BC16B11-018E-4A1B-8FF1-F989CA2489AE}"/>
-              </a:ext>
-            </a:extLst>
-          </p:cNvPr>
-          <p:cNvSpPr/>
-          <p:nvPr/>
-        </p:nvSpPr>
-        <p:spPr>
-          <a:xfrm>
-            <a:off x="6312024" y="3479968"/>
-            <a:ext cx="4072948" cy="1477328"/>
-          </a:xfrm>
-          <a:prstGeom prst="rect">
-            <a:avLst/>
-          </a:prstGeom>
-        </p:spPr>
-        <p:txBody>
-          <a:bodyPr wrap="square">
-            <a:spAutoFit/>
-          </a:bodyPr>
-          <a:lstStyle/>
-          <a:p>
-            <a:r>
-              <a:rPr lang="pt-BR" dirty="0"/>
-              <a:t>Marque a opção </a:t>
-            </a:r>
-            <a:r>
-              <a:rPr lang="pt-BR" dirty="0">
-                <a:solidFill>
-                  <a:schemeClr val="accent3">
-                    <a:lumMod val="60000"/>
-                    <a:lumOff val="40000"/>
-                  </a:schemeClr>
-                </a:solidFill>
-              </a:rPr>
-              <a:t>"Não mostrar esta caixa de diálogo novamente"</a:t>
-            </a:r>
-            <a:r>
-              <a:rPr lang="pt-BR" dirty="0"/>
-              <a:t> para que ele não fique fazendo a mesma pergunta sempre que você pressionar </a:t>
-            </a:r>
-            <a:r>
-              <a:rPr lang="pt-BR" b="1" dirty="0"/>
-              <a:t>Depurador Local do Windows</a:t>
-            </a:r>
-            <a:r>
-              <a:rPr lang="pt-BR" dirty="0"/>
-              <a:t>.</a:t>
-            </a:r>
-          </a:p>
-        </p:txBody>
-      </p:sp>
-    </p:spTree>
-  </p:cSld>
-  <p:clrMapOvr>
-    <a:masterClrMapping/>
-  </p:clrMapOvr>
-</p:sld>
-</file>
-
-<file path=ppt/slides/slide21.xml><?xml version="1.0" encoding="utf-8"?>
-<p:sld xmlns:a="http://schemas.openxmlformats.org/drawingml/2006/main" xmlns:r="http://schemas.openxmlformats.org/officeDocument/2006/relationships" xmlns:p="http://schemas.openxmlformats.org/presentationml/2006/main">
-  <p:cSld>
-    <p:spTree>
-      <p:nvGrpSpPr>
-        <p:cNvPr id="1" name=""/>
-        <p:cNvGrpSpPr/>
-        <p:nvPr/>
-      </p:nvGrpSpPr>
-      <p:grpSpPr>
-        <a:xfrm>
-          <a:off x="0" y="0"/>
-          <a:ext cx="0" cy="0"/>
-          <a:chOff x="0" y="0"/>
-          <a:chExt cx="0" cy="0"/>
-        </a:xfrm>
-      </p:grpSpPr>
-      <p:sp>
-        <p:nvSpPr>
-          <p:cNvPr id="2" name="Título 1"/>
-          <p:cNvSpPr>
-            <a:spLocks noGrp="1"/>
-          </p:cNvSpPr>
-          <p:nvPr>
-            <p:ph type="title"/>
-          </p:nvPr>
-        </p:nvSpPr>
-        <p:spPr/>
-        <p:txBody>
-          <a:bodyPr/>
-          <a:lstStyle/>
-          <a:p>
-            <a:r>
-              <a:rPr lang="pt-BR" dirty="0"/>
-              <a:t>Compilando um Programa</a:t>
-            </a:r>
-          </a:p>
-        </p:txBody>
-      </p:sp>
-      <p:sp>
-        <p:nvSpPr>
-          <p:cNvPr id="3" name="Espaço Reservado para Conteúdo 2"/>
-          <p:cNvSpPr>
-            <a:spLocks noGrp="1"/>
-          </p:cNvSpPr>
-          <p:nvPr>
-            <p:ph idx="1"/>
-          </p:nvPr>
-        </p:nvSpPr>
-        <p:spPr>
-          <a:xfrm>
-            <a:off x="1219200" y="1428736"/>
-            <a:ext cx="9005862" cy="1000132"/>
-          </a:xfrm>
-        </p:spPr>
-        <p:txBody>
-          <a:bodyPr>
-            <a:noAutofit/>
-          </a:bodyPr>
-          <a:lstStyle/>
-          <a:p>
-            <a:pPr>
-              <a:buNone/>
-            </a:pPr>
-            <a:r>
-              <a:rPr lang="pt-BR" sz="2000" dirty="0"/>
               <a:t>O compilador encontrou erros no programa</a:t>
             </a:r>
           </a:p>
@@ -15273,7 +15121,7 @@
         </p:blipFill>
         <p:spPr>
           <a:xfrm>
-            <a:off x="1631504" y="3140968"/>
+            <a:off x="1847528" y="3284984"/>
             <a:ext cx="4859436" cy="1800200"/>
           </a:xfrm>
           <a:prstGeom prst="rect">
@@ -15283,10 +15131,10 @@
       </p:pic>
       <p:sp>
         <p:nvSpPr>
-          <p:cNvPr id="6" name="Retângulo 5">
+          <p:cNvPr id="7" name="Retângulo 6">
             <a:extLst>
               <a:ext uri="{FF2B5EF4-FFF2-40B4-BE49-F238E27FC236}">
-                <a16:creationId xmlns:a16="http://schemas.microsoft.com/office/drawing/2014/main" id="{47A13BBA-B095-4801-A6DE-3BDBC743B665}"/>
+                <a16:creationId xmlns:a16="http://schemas.microsoft.com/office/drawing/2014/main" id="{2C92FFA0-8E3B-46FB-B76F-3A59DE4687B7}"/>
               </a:ext>
             </a:extLst>
           </p:cNvPr>
@@ -15295,8 +15143,8 @@
         </p:nvSpPr>
         <p:spPr>
           <a:xfrm>
-            <a:off x="6781744" y="3440903"/>
-            <a:ext cx="4176464" cy="1200329"/>
+            <a:off x="7464152" y="3501008"/>
+            <a:ext cx="3384376" cy="1200329"/>
           </a:xfrm>
           <a:prstGeom prst="rect">
             <a:avLst/>
@@ -15308,10 +15156,14 @@
           </a:bodyPr>
           <a:lstStyle/>
           <a:p>
+            <a:pPr algn="ctr"/>
             <a:r>
               <a:rPr lang="pt-BR" dirty="0"/>
               <a:t>Marque a opção </a:t>
             </a:r>
+            <a:br>
+              <a:rPr lang="pt-BR" dirty="0"/>
+            </a:br>
             <a:r>
               <a:rPr lang="pt-BR" dirty="0">
                 <a:solidFill>
@@ -15325,15 +15177,7 @@
             </a:r>
             <a:r>
               <a:rPr lang="pt-BR" dirty="0"/>
-              <a:t> para que ele não fique fazendo a mesma pergunta sempre que </a:t>
-            </a:r>
-            <a:r>
-              <a:rPr lang="pt-BR" b="1" dirty="0"/>
-              <a:t>encontrar um erro</a:t>
-            </a:r>
-            <a:r>
-              <a:rPr lang="pt-BR" dirty="0"/>
-              <a:t> no programa.</a:t>
+              <a:t> antes de responder a pergunta.</a:t>
             </a:r>
           </a:p>
         </p:txBody>
@@ -15346,7 +15190,7 @@
 </p:sld>
 </file>
 
-<file path=ppt/slides/slide22.xml><?xml version="1.0" encoding="utf-8"?>
+<file path=ppt/slides/slide21.xml><?xml version="1.0" encoding="utf-8"?>
 <p:sld xmlns:a="http://schemas.openxmlformats.org/drawingml/2006/main" xmlns:r="http://schemas.openxmlformats.org/officeDocument/2006/relationships" xmlns:p="http://schemas.openxmlformats.org/presentationml/2006/main">
   <p:cSld>
     <p:spTree>
@@ -15750,7 +15594,7 @@
 </p:sld>
 </file>
 
-<file path=ppt/slides/slide23.xml><?xml version="1.0" encoding="utf-8"?>
+<file path=ppt/slides/slide22.xml><?xml version="1.0" encoding="utf-8"?>
 <p:sld xmlns:a="http://schemas.openxmlformats.org/drawingml/2006/main" xmlns:r="http://schemas.openxmlformats.org/officeDocument/2006/relationships" xmlns:p="http://schemas.openxmlformats.org/presentationml/2006/main">
   <p:cSld>
     <p:spTree>
@@ -16291,7 +16135,7 @@
 </p:sld>
 </file>
 
-<file path=ppt/slides/slide24.xml><?xml version="1.0" encoding="utf-8"?>
+<file path=ppt/slides/slide23.xml><?xml version="1.0" encoding="utf-8"?>
 <p:sld xmlns:a="http://schemas.openxmlformats.org/drawingml/2006/main" xmlns:r="http://schemas.openxmlformats.org/officeDocument/2006/relationships" xmlns:p="http://schemas.openxmlformats.org/presentationml/2006/main">
   <p:cSld>
     <p:spTree>
@@ -16474,7 +16318,7 @@
 </p:sld>
 </file>
 
-<file path=ppt/slides/slide25.xml><?xml version="1.0" encoding="utf-8"?>
+<file path=ppt/slides/slide24.xml><?xml version="1.0" encoding="utf-8"?>
 <p:sld xmlns:a="http://schemas.openxmlformats.org/drawingml/2006/main" xmlns:r="http://schemas.openxmlformats.org/officeDocument/2006/relationships" xmlns:p="http://schemas.openxmlformats.org/presentationml/2006/main">
   <p:cSld>
     <p:spTree>
@@ -16657,7 +16501,7 @@
 </p:sld>
 </file>
 
-<file path=ppt/slides/slide26.xml><?xml version="1.0" encoding="utf-8"?>
+<file path=ppt/slides/slide25.xml><?xml version="1.0" encoding="utf-8"?>
 <p:sld xmlns:a="http://schemas.openxmlformats.org/drawingml/2006/main" xmlns:r="http://schemas.openxmlformats.org/officeDocument/2006/relationships" xmlns:p="http://schemas.openxmlformats.org/presentationml/2006/main">
   <p:cSld>
     <p:spTree>
@@ -16786,7 +16630,7 @@
 </p:sld>
 </file>
 
-<file path=ppt/slides/slide27.xml><?xml version="1.0" encoding="utf-8"?>
+<file path=ppt/slides/slide26.xml><?xml version="1.0" encoding="utf-8"?>
 <p:sld xmlns:a="http://schemas.openxmlformats.org/drawingml/2006/main" xmlns:r="http://schemas.openxmlformats.org/officeDocument/2006/relationships" xmlns:p="http://schemas.openxmlformats.org/presentationml/2006/main">
   <p:cSld>
     <p:spTree>
@@ -17065,7 +16909,7 @@
 </p:sld>
 </file>
 
-<file path=ppt/slides/slide28.xml><?xml version="1.0" encoding="utf-8"?>
+<file path=ppt/slides/slide27.xml><?xml version="1.0" encoding="utf-8"?>
 <p:sld xmlns:a="http://schemas.openxmlformats.org/drawingml/2006/main" xmlns:r="http://schemas.openxmlformats.org/officeDocument/2006/relationships" xmlns:p="http://schemas.openxmlformats.org/presentationml/2006/main">
   <p:cSld>
     <p:spTree>
@@ -17685,7 +17529,7 @@
 </p:sld>
 </file>
 
-<file path=ppt/slides/slide29.xml><?xml version="1.0" encoding="utf-8"?>
+<file path=ppt/slides/slide28.xml><?xml version="1.0" encoding="utf-8"?>
 <p:sld xmlns:a="http://schemas.openxmlformats.org/drawingml/2006/main" xmlns:r="http://schemas.openxmlformats.org/officeDocument/2006/relationships" xmlns:p="http://schemas.openxmlformats.org/presentationml/2006/main">
   <p:cSld>
     <p:spTree>
@@ -18295,6 +18139,271 @@
 </p:sld>
 </file>
 
+<file path=ppt/slides/slide29.xml><?xml version="1.0" encoding="utf-8"?>
+<p:sld xmlns:a="http://schemas.openxmlformats.org/drawingml/2006/main" xmlns:r="http://schemas.openxmlformats.org/officeDocument/2006/relationships" xmlns:p="http://schemas.openxmlformats.org/presentationml/2006/main">
+  <p:cSld>
+    <p:spTree>
+      <p:nvGrpSpPr>
+        <p:cNvPr id="1" name=""/>
+        <p:cNvGrpSpPr/>
+        <p:nvPr/>
+      </p:nvGrpSpPr>
+      <p:grpSpPr>
+        <a:xfrm>
+          <a:off x="0" y="0"/>
+          <a:ext cx="0" cy="0"/>
+          <a:chOff x="0" y="0"/>
+          <a:chExt cx="0" cy="0"/>
+        </a:xfrm>
+      </p:grpSpPr>
+      <p:pic>
+        <p:nvPicPr>
+          <p:cNvPr id="5" name="Imagem 4">
+            <a:extLst>
+              <a:ext uri="{FF2B5EF4-FFF2-40B4-BE49-F238E27FC236}">
+                <a16:creationId xmlns:a16="http://schemas.microsoft.com/office/drawing/2014/main" id="{BCB8A06F-5DA7-4962-862E-171F8E05316B}"/>
+              </a:ext>
+            </a:extLst>
+          </p:cNvPr>
+          <p:cNvPicPr>
+            <a:picLocks noChangeAspect="1"/>
+          </p:cNvPicPr>
+          <p:nvPr/>
+        </p:nvPicPr>
+        <p:blipFill rotWithShape="1">
+          <a:blip r:embed="rId3" cstate="email">
+            <a:extLst>
+              <a:ext uri="{28A0092B-C50C-407E-A947-70E740481C1C}">
+                <a14:useLocalDpi xmlns:a14="http://schemas.microsoft.com/office/drawing/2010/main"/>
+              </a:ext>
+            </a:extLst>
+          </a:blip>
+          <a:srcRect/>
+          <a:stretch/>
+        </p:blipFill>
+        <p:spPr>
+          <a:xfrm>
+            <a:off x="1658144" y="2492896"/>
+            <a:ext cx="9485312" cy="3608038"/>
+          </a:xfrm>
+          <a:prstGeom prst="rect">
+            <a:avLst/>
+          </a:prstGeom>
+        </p:spPr>
+      </p:pic>
+      <p:sp>
+        <p:nvSpPr>
+          <p:cNvPr id="2" name="Título 1"/>
+          <p:cNvSpPr>
+            <a:spLocks noGrp="1"/>
+          </p:cNvSpPr>
+          <p:nvPr>
+            <p:ph type="title"/>
+          </p:nvPr>
+        </p:nvSpPr>
+        <p:spPr/>
+        <p:txBody>
+          <a:bodyPr/>
+          <a:lstStyle/>
+          <a:p>
+            <a:r>
+              <a:rPr lang="pt-BR" dirty="0"/>
+              <a:t>Iniciando um Novo Programa</a:t>
+            </a:r>
+          </a:p>
+        </p:txBody>
+      </p:sp>
+      <p:sp>
+        <p:nvSpPr>
+          <p:cNvPr id="3" name="Espaço Reservado para Conteúdo 2"/>
+          <p:cNvSpPr>
+            <a:spLocks noGrp="1"/>
+          </p:cNvSpPr>
+          <p:nvPr>
+            <p:ph idx="1"/>
+          </p:nvPr>
+        </p:nvSpPr>
+        <p:spPr>
+          <a:xfrm>
+            <a:off x="1219200" y="1428736"/>
+            <a:ext cx="9005862" cy="1000132"/>
+          </a:xfrm>
+        </p:spPr>
+        <p:txBody>
+          <a:bodyPr>
+            <a:noAutofit/>
+          </a:bodyPr>
+          <a:lstStyle/>
+          <a:p>
+            <a:pPr>
+              <a:buNone/>
+            </a:pPr>
+            <a:r>
+              <a:rPr lang="pt-BR" sz="2000" dirty="0"/>
+              <a:t>Inserir um arquivo fonte existente no projeto</a:t>
+            </a:r>
+          </a:p>
+          <a:p>
+            <a:pPr>
+              <a:buNone/>
+            </a:pPr>
+            <a:r>
+              <a:rPr lang="pt-BR" sz="2000" dirty="0">
+                <a:solidFill>
+                  <a:schemeClr val="accent3">
+                    <a:lumMod val="75000"/>
+                  </a:schemeClr>
+                </a:solidFill>
+              </a:rPr>
+              <a:t>Clicar com o Botão Direito em Arquivos de Origem </a:t>
+            </a:r>
+            <a:r>
+              <a:rPr lang="pt-BR" sz="2000" dirty="0"/>
+              <a:t>&gt;</a:t>
+            </a:r>
+            <a:r>
+              <a:rPr lang="pt-BR" sz="2000" dirty="0">
+                <a:solidFill>
+                  <a:schemeClr val="accent3">
+                    <a:lumMod val="75000"/>
+                  </a:schemeClr>
+                </a:solidFill>
+              </a:rPr>
+              <a:t> Adicionar </a:t>
+            </a:r>
+            <a:r>
+              <a:rPr lang="pt-BR" sz="2000" dirty="0"/>
+              <a:t>&gt;</a:t>
+            </a:r>
+            <a:r>
+              <a:rPr lang="pt-BR" sz="2000" dirty="0">
+                <a:solidFill>
+                  <a:schemeClr val="accent3">
+                    <a:lumMod val="75000"/>
+                  </a:schemeClr>
+                </a:solidFill>
+              </a:rPr>
+              <a:t> Item Existente...</a:t>
+            </a:r>
+          </a:p>
+        </p:txBody>
+      </p:sp>
+      <p:sp>
+        <p:nvSpPr>
+          <p:cNvPr id="10" name="Retângulo 9"/>
+          <p:cNvSpPr/>
+          <p:nvPr/>
+        </p:nvSpPr>
+        <p:spPr>
+          <a:xfrm>
+            <a:off x="3450265" y="5280598"/>
+            <a:ext cx="4853762" cy="249435"/>
+          </a:xfrm>
+          <a:prstGeom prst="rect">
+            <a:avLst/>
+          </a:prstGeom>
+          <a:solidFill>
+            <a:schemeClr val="accent3">
+              <a:lumMod val="60000"/>
+              <a:lumOff val="40000"/>
+              <a:alpha val="25000"/>
+            </a:schemeClr>
+          </a:solidFill>
+          <a:ln>
+            <a:solidFill>
+              <a:schemeClr val="accent3">
+                <a:lumMod val="75000"/>
+              </a:schemeClr>
+            </a:solidFill>
+          </a:ln>
+        </p:spPr>
+        <p:style>
+          <a:lnRef idx="2">
+            <a:schemeClr val="accent1">
+              <a:shade val="50000"/>
+            </a:schemeClr>
+          </a:lnRef>
+          <a:fillRef idx="1">
+            <a:schemeClr val="accent1"/>
+          </a:fillRef>
+          <a:effectRef idx="0">
+            <a:schemeClr val="accent1"/>
+          </a:effectRef>
+          <a:fontRef idx="minor">
+            <a:schemeClr val="lt1"/>
+          </a:fontRef>
+        </p:style>
+        <p:txBody>
+          <a:bodyPr rtlCol="0" anchor="ctr"/>
+          <a:lstStyle/>
+          <a:p>
+            <a:pPr algn="ctr"/>
+            <a:endParaRPr lang="pt-BR"/>
+          </a:p>
+        </p:txBody>
+      </p:sp>
+      <p:sp>
+        <p:nvSpPr>
+          <p:cNvPr id="12" name="Retângulo 11"/>
+          <p:cNvSpPr/>
+          <p:nvPr/>
+        </p:nvSpPr>
+        <p:spPr>
+          <a:xfrm>
+            <a:off x="8362506" y="5566144"/>
+            <a:ext cx="2690037" cy="244548"/>
+          </a:xfrm>
+          <a:prstGeom prst="rect">
+            <a:avLst/>
+          </a:prstGeom>
+          <a:solidFill>
+            <a:schemeClr val="accent3">
+              <a:lumMod val="60000"/>
+              <a:lumOff val="40000"/>
+              <a:alpha val="25000"/>
+            </a:schemeClr>
+          </a:solidFill>
+          <a:ln>
+            <a:solidFill>
+              <a:schemeClr val="accent3">
+                <a:lumMod val="75000"/>
+              </a:schemeClr>
+            </a:solidFill>
+          </a:ln>
+        </p:spPr>
+        <p:style>
+          <a:lnRef idx="2">
+            <a:schemeClr val="accent1">
+              <a:shade val="50000"/>
+            </a:schemeClr>
+          </a:lnRef>
+          <a:fillRef idx="1">
+            <a:schemeClr val="accent1"/>
+          </a:fillRef>
+          <a:effectRef idx="0">
+            <a:schemeClr val="accent1"/>
+          </a:effectRef>
+          <a:fontRef idx="minor">
+            <a:schemeClr val="lt1"/>
+          </a:fontRef>
+        </p:style>
+        <p:txBody>
+          <a:bodyPr rtlCol="0" anchor="ctr"/>
+          <a:lstStyle/>
+          <a:p>
+            <a:pPr algn="ctr"/>
+            <a:endParaRPr lang="pt-BR"/>
+          </a:p>
+        </p:txBody>
+      </p:sp>
+    </p:spTree>
+  </p:cSld>
+  <p:clrMapOvr>
+    <a:masterClrMapping/>
+  </p:clrMapOvr>
+</p:sld>
+</file>
+
 <file path=ppt/slides/slide3.xml><?xml version="1.0" encoding="utf-8"?>
 <p:sld xmlns:a="http://schemas.openxmlformats.org/drawingml/2006/main" xmlns:r="http://schemas.openxmlformats.org/officeDocument/2006/relationships" xmlns:p="http://schemas.openxmlformats.org/presentationml/2006/main">
   <p:cSld>
@@ -18353,8 +18462,11 @@
           <a:p>
             <a:r>
               <a:rPr lang="pt-BR" dirty="0"/>
-              <a:t>Muitos compiladores são usados em conjunto com </a:t>
-            </a:r>
+              <a:t>Alguns compiladores são usados em conjunto com </a:t>
+            </a:r>
+            <a:br>
+              <a:rPr lang="pt-BR" dirty="0"/>
+            </a:br>
             <a:r>
               <a:rPr lang="pt-BR" dirty="0">
                 <a:solidFill>
@@ -18475,271 +18587,6 @@
       </p:grpSpPr>
       <p:pic>
         <p:nvPicPr>
-          <p:cNvPr id="5" name="Imagem 4">
-            <a:extLst>
-              <a:ext uri="{FF2B5EF4-FFF2-40B4-BE49-F238E27FC236}">
-                <a16:creationId xmlns:a16="http://schemas.microsoft.com/office/drawing/2014/main" id="{BCB8A06F-5DA7-4962-862E-171F8E05316B}"/>
-              </a:ext>
-            </a:extLst>
-          </p:cNvPr>
-          <p:cNvPicPr>
-            <a:picLocks noChangeAspect="1"/>
-          </p:cNvPicPr>
-          <p:nvPr/>
-        </p:nvPicPr>
-        <p:blipFill rotWithShape="1">
-          <a:blip r:embed="rId3" cstate="email">
-            <a:extLst>
-              <a:ext uri="{28A0092B-C50C-407E-A947-70E740481C1C}">
-                <a14:useLocalDpi xmlns:a14="http://schemas.microsoft.com/office/drawing/2010/main"/>
-              </a:ext>
-            </a:extLst>
-          </a:blip>
-          <a:srcRect/>
-          <a:stretch/>
-        </p:blipFill>
-        <p:spPr>
-          <a:xfrm>
-            <a:off x="1658144" y="2492896"/>
-            <a:ext cx="9485312" cy="3608038"/>
-          </a:xfrm>
-          <a:prstGeom prst="rect">
-            <a:avLst/>
-          </a:prstGeom>
-        </p:spPr>
-      </p:pic>
-      <p:sp>
-        <p:nvSpPr>
-          <p:cNvPr id="2" name="Título 1"/>
-          <p:cNvSpPr>
-            <a:spLocks noGrp="1"/>
-          </p:cNvSpPr>
-          <p:nvPr>
-            <p:ph type="title"/>
-          </p:nvPr>
-        </p:nvSpPr>
-        <p:spPr/>
-        <p:txBody>
-          <a:bodyPr/>
-          <a:lstStyle/>
-          <a:p>
-            <a:r>
-              <a:rPr lang="pt-BR" dirty="0"/>
-              <a:t>Iniciando um Novo Programa</a:t>
-            </a:r>
-          </a:p>
-        </p:txBody>
-      </p:sp>
-      <p:sp>
-        <p:nvSpPr>
-          <p:cNvPr id="3" name="Espaço Reservado para Conteúdo 2"/>
-          <p:cNvSpPr>
-            <a:spLocks noGrp="1"/>
-          </p:cNvSpPr>
-          <p:nvPr>
-            <p:ph idx="1"/>
-          </p:nvPr>
-        </p:nvSpPr>
-        <p:spPr>
-          <a:xfrm>
-            <a:off x="1219200" y="1428736"/>
-            <a:ext cx="9005862" cy="1000132"/>
-          </a:xfrm>
-        </p:spPr>
-        <p:txBody>
-          <a:bodyPr>
-            <a:noAutofit/>
-          </a:bodyPr>
-          <a:lstStyle/>
-          <a:p>
-            <a:pPr>
-              <a:buNone/>
-            </a:pPr>
-            <a:r>
-              <a:rPr lang="pt-BR" sz="2000" dirty="0"/>
-              <a:t>Inserir um arquivo fonte existente no projeto</a:t>
-            </a:r>
-          </a:p>
-          <a:p>
-            <a:pPr>
-              <a:buNone/>
-            </a:pPr>
-            <a:r>
-              <a:rPr lang="pt-BR" sz="2000" dirty="0">
-                <a:solidFill>
-                  <a:schemeClr val="accent3">
-                    <a:lumMod val="75000"/>
-                  </a:schemeClr>
-                </a:solidFill>
-              </a:rPr>
-              <a:t>Clicar com o Botão Direito em Arquivos de Origem </a:t>
-            </a:r>
-            <a:r>
-              <a:rPr lang="pt-BR" sz="2000" dirty="0"/>
-              <a:t>&gt;</a:t>
-            </a:r>
-            <a:r>
-              <a:rPr lang="pt-BR" sz="2000" dirty="0">
-                <a:solidFill>
-                  <a:schemeClr val="accent3">
-                    <a:lumMod val="75000"/>
-                  </a:schemeClr>
-                </a:solidFill>
-              </a:rPr>
-              <a:t> Adicionar </a:t>
-            </a:r>
-            <a:r>
-              <a:rPr lang="pt-BR" sz="2000" dirty="0"/>
-              <a:t>&gt;</a:t>
-            </a:r>
-            <a:r>
-              <a:rPr lang="pt-BR" sz="2000" dirty="0">
-                <a:solidFill>
-                  <a:schemeClr val="accent3">
-                    <a:lumMod val="75000"/>
-                  </a:schemeClr>
-                </a:solidFill>
-              </a:rPr>
-              <a:t> Item Existente...</a:t>
-            </a:r>
-          </a:p>
-        </p:txBody>
-      </p:sp>
-      <p:sp>
-        <p:nvSpPr>
-          <p:cNvPr id="10" name="Retângulo 9"/>
-          <p:cNvSpPr/>
-          <p:nvPr/>
-        </p:nvSpPr>
-        <p:spPr>
-          <a:xfrm>
-            <a:off x="3450265" y="5280598"/>
-            <a:ext cx="4853762" cy="249435"/>
-          </a:xfrm>
-          <a:prstGeom prst="rect">
-            <a:avLst/>
-          </a:prstGeom>
-          <a:solidFill>
-            <a:schemeClr val="accent3">
-              <a:lumMod val="60000"/>
-              <a:lumOff val="40000"/>
-              <a:alpha val="25000"/>
-            </a:schemeClr>
-          </a:solidFill>
-          <a:ln>
-            <a:solidFill>
-              <a:schemeClr val="accent3">
-                <a:lumMod val="75000"/>
-              </a:schemeClr>
-            </a:solidFill>
-          </a:ln>
-        </p:spPr>
-        <p:style>
-          <a:lnRef idx="2">
-            <a:schemeClr val="accent1">
-              <a:shade val="50000"/>
-            </a:schemeClr>
-          </a:lnRef>
-          <a:fillRef idx="1">
-            <a:schemeClr val="accent1"/>
-          </a:fillRef>
-          <a:effectRef idx="0">
-            <a:schemeClr val="accent1"/>
-          </a:effectRef>
-          <a:fontRef idx="minor">
-            <a:schemeClr val="lt1"/>
-          </a:fontRef>
-        </p:style>
-        <p:txBody>
-          <a:bodyPr rtlCol="0" anchor="ctr"/>
-          <a:lstStyle/>
-          <a:p>
-            <a:pPr algn="ctr"/>
-            <a:endParaRPr lang="pt-BR"/>
-          </a:p>
-        </p:txBody>
-      </p:sp>
-      <p:sp>
-        <p:nvSpPr>
-          <p:cNvPr id="12" name="Retângulo 11"/>
-          <p:cNvSpPr/>
-          <p:nvPr/>
-        </p:nvSpPr>
-        <p:spPr>
-          <a:xfrm>
-            <a:off x="8362506" y="5566144"/>
-            <a:ext cx="2690037" cy="244548"/>
-          </a:xfrm>
-          <a:prstGeom prst="rect">
-            <a:avLst/>
-          </a:prstGeom>
-          <a:solidFill>
-            <a:schemeClr val="accent3">
-              <a:lumMod val="60000"/>
-              <a:lumOff val="40000"/>
-              <a:alpha val="25000"/>
-            </a:schemeClr>
-          </a:solidFill>
-          <a:ln>
-            <a:solidFill>
-              <a:schemeClr val="accent3">
-                <a:lumMod val="75000"/>
-              </a:schemeClr>
-            </a:solidFill>
-          </a:ln>
-        </p:spPr>
-        <p:style>
-          <a:lnRef idx="2">
-            <a:schemeClr val="accent1">
-              <a:shade val="50000"/>
-            </a:schemeClr>
-          </a:lnRef>
-          <a:fillRef idx="1">
-            <a:schemeClr val="accent1"/>
-          </a:fillRef>
-          <a:effectRef idx="0">
-            <a:schemeClr val="accent1"/>
-          </a:effectRef>
-          <a:fontRef idx="minor">
-            <a:schemeClr val="lt1"/>
-          </a:fontRef>
-        </p:style>
-        <p:txBody>
-          <a:bodyPr rtlCol="0" anchor="ctr"/>
-          <a:lstStyle/>
-          <a:p>
-            <a:pPr algn="ctr"/>
-            <a:endParaRPr lang="pt-BR"/>
-          </a:p>
-        </p:txBody>
-      </p:sp>
-    </p:spTree>
-  </p:cSld>
-  <p:clrMapOvr>
-    <a:masterClrMapping/>
-  </p:clrMapOvr>
-</p:sld>
-</file>
-
-<file path=ppt/slides/slide31.xml><?xml version="1.0" encoding="utf-8"?>
-<p:sld xmlns:a="http://schemas.openxmlformats.org/drawingml/2006/main" xmlns:r="http://schemas.openxmlformats.org/officeDocument/2006/relationships" xmlns:p="http://schemas.openxmlformats.org/presentationml/2006/main">
-  <p:cSld>
-    <p:spTree>
-      <p:nvGrpSpPr>
-        <p:cNvPr id="1" name=""/>
-        <p:cNvGrpSpPr/>
-        <p:nvPr/>
-      </p:nvGrpSpPr>
-      <p:grpSpPr>
-        <a:xfrm>
-          <a:off x="0" y="0"/>
-          <a:ext cx="0" cy="0"/>
-          <a:chOff x="0" y="0"/>
-          <a:chExt cx="0" cy="0"/>
-        </a:xfrm>
-      </p:grpSpPr>
-      <p:pic>
-        <p:nvPicPr>
           <p:cNvPr id="9" name="Imagem 8">
             <a:extLst>
               <a:ext uri="{FF2B5EF4-FFF2-40B4-BE49-F238E27FC236}">
@@ -19112,7 +18959,7 @@
 </p:sld>
 </file>
 
-<file path=ppt/slides/slide32.xml><?xml version="1.0" encoding="utf-8"?>
+<file path=ppt/slides/slide31.xml><?xml version="1.0" encoding="utf-8"?>
 <p:sld xmlns:a="http://schemas.openxmlformats.org/drawingml/2006/main" xmlns:r="http://schemas.openxmlformats.org/officeDocument/2006/relationships" xmlns:p="http://schemas.openxmlformats.org/presentationml/2006/main">
   <p:cSld>
     <p:spTree>
@@ -19309,7 +19156,7 @@
 </p:sld>
 </file>
 
-<file path=ppt/slides/slide33.xml><?xml version="1.0" encoding="utf-8"?>
+<file path=ppt/slides/slide32.xml><?xml version="1.0" encoding="utf-8"?>
 <p:sld xmlns:a="http://schemas.openxmlformats.org/drawingml/2006/main" xmlns:r="http://schemas.openxmlformats.org/officeDocument/2006/relationships" xmlns:p="http://schemas.openxmlformats.org/presentationml/2006/main">
   <p:cSld>
     <p:spTree>
@@ -19449,7 +19296,7 @@
 </p:sld>
 </file>
 
-<file path=ppt/slides/slide34.xml><?xml version="1.0" encoding="utf-8"?>
+<file path=ppt/slides/slide33.xml><?xml version="1.0" encoding="utf-8"?>
 <p:sld xmlns:a="http://schemas.openxmlformats.org/drawingml/2006/main" xmlns:r="http://schemas.openxmlformats.org/officeDocument/2006/relationships" xmlns:p="http://schemas.openxmlformats.org/presentationml/2006/main">
   <p:cSld>
     <p:spTree>
@@ -19841,7 +19688,7 @@
 </p:sld>
 </file>
 
-<file path=ppt/slides/slide35.xml><?xml version="1.0" encoding="utf-8"?>
+<file path=ppt/slides/slide34.xml><?xml version="1.0" encoding="utf-8"?>
 <p:sld xmlns:a="http://schemas.openxmlformats.org/drawingml/2006/main" xmlns:r="http://schemas.openxmlformats.org/officeDocument/2006/relationships" xmlns:p="http://schemas.openxmlformats.org/presentationml/2006/main">
   <p:cSld>
     <p:spTree>
@@ -20301,7 +20148,7 @@
 </p:sld>
 </file>
 
-<file path=ppt/slides/slide36.xml><?xml version="1.0" encoding="utf-8"?>
+<file path=ppt/slides/slide35.xml><?xml version="1.0" encoding="utf-8"?>
 <p:sld xmlns:a="http://schemas.openxmlformats.org/drawingml/2006/main" xmlns:r="http://schemas.openxmlformats.org/officeDocument/2006/relationships" xmlns:p="http://schemas.openxmlformats.org/presentationml/2006/main">
   <p:cSld>
     <p:spTree>
@@ -20415,7 +20262,7 @@
 </p:sld>
 </file>
 
-<file path=ppt/slides/slide37.xml><?xml version="1.0" encoding="utf-8"?>
+<file path=ppt/slides/slide36.xml><?xml version="1.0" encoding="utf-8"?>
 <p:sld xmlns:a="http://schemas.openxmlformats.org/drawingml/2006/main" xmlns:r="http://schemas.openxmlformats.org/officeDocument/2006/relationships" xmlns:p="http://schemas.openxmlformats.org/presentationml/2006/main">
   <p:cSld>
     <p:spTree>
@@ -20542,7 +20389,7 @@
 </p:sld>
 </file>
 
-<file path=ppt/slides/slide38.xml><?xml version="1.0" encoding="utf-8"?>
+<file path=ppt/slides/slide37.xml><?xml version="1.0" encoding="utf-8"?>
 <p:sld xmlns:a="http://schemas.openxmlformats.org/drawingml/2006/main" xmlns:r="http://schemas.openxmlformats.org/officeDocument/2006/relationships" xmlns:p="http://schemas.openxmlformats.org/presentationml/2006/main">
   <p:cSld>
     <p:spTree>
@@ -20831,7 +20678,7 @@
 </p:sld>
 </file>
 
-<file path=ppt/slides/slide39.xml><?xml version="1.0" encoding="utf-8"?>
+<file path=ppt/slides/slide38.xml><?xml version="1.0" encoding="utf-8"?>
 <p:sld xmlns:a="http://schemas.openxmlformats.org/drawingml/2006/main" xmlns:r="http://schemas.openxmlformats.org/officeDocument/2006/relationships" xmlns:p="http://schemas.openxmlformats.org/presentationml/2006/main">
   <p:cSld>
     <p:spTree>
@@ -20984,184 +20831,7 @@
 </p:sld>
 </file>
 
-<file path=ppt/slides/slide4.xml><?xml version="1.0" encoding="utf-8"?>
-<p:sld xmlns:a="http://schemas.openxmlformats.org/drawingml/2006/main" xmlns:r="http://schemas.openxmlformats.org/officeDocument/2006/relationships" xmlns:p="http://schemas.openxmlformats.org/presentationml/2006/main">
-  <p:cSld>
-    <p:spTree>
-      <p:nvGrpSpPr>
-        <p:cNvPr id="1" name=""/>
-        <p:cNvGrpSpPr/>
-        <p:nvPr/>
-      </p:nvGrpSpPr>
-      <p:grpSpPr>
-        <a:xfrm>
-          <a:off x="0" y="0"/>
-          <a:ext cx="0" cy="0"/>
-          <a:chOff x="0" y="0"/>
-          <a:chExt cx="0" cy="0"/>
-        </a:xfrm>
-      </p:grpSpPr>
-      <p:sp>
-        <p:nvSpPr>
-          <p:cNvPr id="2" name="Título 1"/>
-          <p:cNvSpPr>
-            <a:spLocks noGrp="1"/>
-          </p:cNvSpPr>
-          <p:nvPr>
-            <p:ph type="title"/>
-          </p:nvPr>
-        </p:nvSpPr>
-        <p:spPr/>
-        <p:txBody>
-          <a:bodyPr/>
-          <a:lstStyle/>
-          <a:p>
-            <a:r>
-              <a:rPr lang="pt-BR" dirty="0"/>
-              <a:t>Criando o Código Fonte</a:t>
-            </a:r>
-          </a:p>
-        </p:txBody>
-      </p:sp>
-      <p:sp>
-        <p:nvSpPr>
-          <p:cNvPr id="3" name="Espaço Reservado para Conteúdo 2"/>
-          <p:cNvSpPr>
-            <a:spLocks noGrp="1"/>
-          </p:cNvSpPr>
-          <p:nvPr>
-            <p:ph idx="1"/>
-          </p:nvPr>
-        </p:nvSpPr>
-        <p:spPr/>
-        <p:txBody>
-          <a:bodyPr>
-            <a:normAutofit/>
-          </a:bodyPr>
-          <a:lstStyle/>
-          <a:p>
-            <a:r>
-              <a:rPr lang="pt-BR" dirty="0"/>
-              <a:t>Na maior parte das </a:t>
-            </a:r>
-            <a:r>
-              <a:rPr lang="pt-BR" dirty="0" err="1"/>
-              <a:t>IDEs</a:t>
-            </a:r>
-            <a:r>
-              <a:rPr lang="pt-BR" dirty="0"/>
-              <a:t> é preciso </a:t>
-            </a:r>
-            <a:r>
-              <a:rPr lang="pt-BR" dirty="0">
-                <a:solidFill>
-                  <a:schemeClr val="accent3">
-                    <a:lumMod val="75000"/>
-                  </a:schemeClr>
-                </a:solidFill>
-              </a:rPr>
-              <a:t>criar um projeto</a:t>
-            </a:r>
-            <a:r>
-              <a:rPr lang="pt-BR" dirty="0"/>
-              <a:t> antes de escrever o código fonte</a:t>
-            </a:r>
-          </a:p>
-          <a:p>
-            <a:pPr lvl="1"/>
-            <a:r>
-              <a:rPr lang="pt-BR" dirty="0"/>
-              <a:t>A </a:t>
-            </a:r>
-            <a:r>
-              <a:rPr lang="pt-BR" dirty="0">
-                <a:solidFill>
-                  <a:schemeClr val="accent3">
-                    <a:lumMod val="75000"/>
-                  </a:schemeClr>
-                </a:solidFill>
-              </a:rPr>
-              <a:t>criação do projeto </a:t>
-            </a:r>
-            <a:r>
-              <a:rPr lang="pt-BR" dirty="0"/>
-              <a:t>permite:</a:t>
-            </a:r>
-          </a:p>
-          <a:p>
-            <a:pPr lvl="2"/>
-            <a:r>
-              <a:rPr lang="pt-BR" dirty="0"/>
-              <a:t>Identificar que ferramentas usar para compilar e ligar o código</a:t>
-            </a:r>
-          </a:p>
-          <a:p>
-            <a:pPr lvl="2"/>
-            <a:r>
-              <a:rPr lang="pt-BR" dirty="0"/>
-              <a:t>Configurar o ambiente para depurar e executar o programa</a:t>
-            </a:r>
-          </a:p>
-          <a:p>
-            <a:pPr lvl="2"/>
-            <a:r>
-              <a:rPr lang="pt-BR" dirty="0"/>
-              <a:t>Compilar vários arquivos de uma só vez</a:t>
-            </a:r>
-          </a:p>
-          <a:p>
-            <a:pPr lvl="2"/>
-            <a:r>
-              <a:rPr lang="pt-BR" dirty="0"/>
-              <a:t>Criar soluções compostas por vários projetos</a:t>
-            </a:r>
-          </a:p>
-          <a:p>
-            <a:pPr lvl="1"/>
-            <a:r>
-              <a:rPr lang="pt-BR" sz="2800" dirty="0"/>
-              <a:t>A </a:t>
-            </a:r>
-            <a:r>
-              <a:rPr lang="pt-BR" sz="2800" dirty="0">
-                <a:solidFill>
-                  <a:schemeClr val="accent3">
-                    <a:lumMod val="75000"/>
-                  </a:schemeClr>
-                </a:solidFill>
-              </a:rPr>
-              <a:t>compilação e execução</a:t>
-            </a:r>
-            <a:r>
-              <a:rPr lang="pt-BR" sz="2800" dirty="0"/>
-              <a:t> do programa normalmente consiste em clicar em um botão</a:t>
-            </a:r>
-            <a:endParaRPr lang="pt-BR" dirty="0"/>
-          </a:p>
-          <a:p>
-            <a:pPr lvl="2"/>
-            <a:endParaRPr lang="pt-BR" dirty="0"/>
-          </a:p>
-          <a:p>
-            <a:pPr lvl="2"/>
-            <a:endParaRPr lang="pt-BR" dirty="0"/>
-          </a:p>
-        </p:txBody>
-      </p:sp>
-    </p:spTree>
-    <p:extLst>
-      <p:ext uri="{BB962C8B-B14F-4D97-AF65-F5344CB8AC3E}">
-        <p14:creationId xmlns:p14="http://schemas.microsoft.com/office/powerpoint/2010/main" val="191132267"/>
-      </p:ext>
-    </p:extLst>
-  </p:cSld>
-  <p:clrMapOvr>
-    <a:masterClrMapping/>
-  </p:clrMapOvr>
-</p:sld>
-</file>
-
-<file path=ppt/slides/slide40.xml><?xml version="1.0" encoding="utf-8"?>
+<file path=ppt/slides/slide39.xml><?xml version="1.0" encoding="utf-8"?>
 <p:sld xmlns:a="http://schemas.openxmlformats.org/drawingml/2006/main" xmlns:r="http://schemas.openxmlformats.org/officeDocument/2006/relationships" xmlns:p="http://schemas.openxmlformats.org/presentationml/2006/main">
   <p:cSld>
     <p:spTree>
@@ -21335,7 +21005,7 @@
 </p:sld>
 </file>
 
-<file path=ppt/slides/slide41.xml><?xml version="1.0" encoding="utf-8"?>
+<file path=ppt/slides/slide4.xml><?xml version="1.0" encoding="utf-8"?>
 <p:sld xmlns:a="http://schemas.openxmlformats.org/drawingml/2006/main" xmlns:r="http://schemas.openxmlformats.org/officeDocument/2006/relationships" xmlns:p="http://schemas.openxmlformats.org/presentationml/2006/main">
   <p:cSld>
     <p:spTree>
@@ -21369,7 +21039,7 @@
           <a:p>
             <a:r>
               <a:rPr lang="pt-BR" dirty="0"/>
-              <a:t>Resumo</a:t>
+              <a:t>Criando o Código Fonte</a:t>
             </a:r>
           </a:p>
         </p:txBody>
@@ -21386,12 +21056,50 @@
         </p:nvSpPr>
         <p:spPr/>
         <p:txBody>
-          <a:bodyPr/>
+          <a:bodyPr>
+            <a:normAutofit/>
+          </a:bodyPr>
           <a:lstStyle/>
           <a:p>
             <a:r>
               <a:rPr lang="pt-BR" dirty="0"/>
-              <a:t>O Visual Studio exige a </a:t>
+              <a:t>Outros compiladores são disponibilizados sem nenhum ambiente de desenvolvimento:</a:t>
+            </a:r>
+            <a:br>
+              <a:rPr lang="pt-BR" dirty="0"/>
+            </a:br>
+            <a:endParaRPr lang="pt-BR" dirty="0"/>
+          </a:p>
+          <a:p>
+            <a:pPr lvl="1"/>
+            <a:r>
+              <a:rPr lang="pt-BR" dirty="0"/>
+              <a:t>Intel C++</a:t>
+            </a:r>
+          </a:p>
+          <a:p>
+            <a:pPr lvl="1"/>
+            <a:r>
+              <a:rPr lang="pt-BR" dirty="0"/>
+              <a:t>GNU g++</a:t>
+            </a:r>
+          </a:p>
+          <a:p>
+            <a:pPr lvl="1"/>
+            <a:r>
+              <a:rPr lang="pt-BR" dirty="0" err="1"/>
+              <a:t>Clang</a:t>
+            </a:r>
+            <a:endParaRPr lang="pt-BR" dirty="0"/>
+          </a:p>
+          <a:p>
+            <a:pPr lvl="1"/>
+            <a:endParaRPr lang="pt-BR" dirty="0"/>
+          </a:p>
+          <a:p>
+            <a:r>
+              <a:rPr lang="pt-BR" dirty="0"/>
+              <a:t>Neste caso o código fonte deve ser criado em um </a:t>
             </a:r>
             <a:r>
               <a:rPr lang="pt-BR" dirty="0">
@@ -21401,116 +21109,16 @@
                   </a:schemeClr>
                 </a:solidFill>
               </a:rPr>
-              <a:t>criação de projetos</a:t>
-            </a:r>
-          </a:p>
-          <a:p>
-            <a:pPr lvl="1"/>
-            <a:r>
-              <a:rPr lang="pt-BR" dirty="0"/>
-              <a:t>Ou a abertura de pastas para utilização com </a:t>
-            </a:r>
-            <a:r>
-              <a:rPr lang="pt-BR" dirty="0" err="1"/>
-              <a:t>CMake</a:t>
-            </a:r>
-            <a:r>
-              <a:rPr lang="pt-BR" baseline="30000" dirty="0"/>
-              <a:t>*</a:t>
-            </a:r>
-          </a:p>
-          <a:p>
-            <a:r>
-              <a:rPr lang="pt-BR" dirty="0"/>
-              <a:t>Um projeto pode ser utilizado para </a:t>
-            </a:r>
-            <a:r>
-              <a:rPr lang="pt-BR" dirty="0">
-                <a:solidFill>
-                  <a:schemeClr val="accent3">
-                    <a:lumMod val="75000"/>
-                  </a:schemeClr>
-                </a:solidFill>
-              </a:rPr>
-              <a:t>vários programas </a:t>
-            </a:r>
-          </a:p>
-          <a:p>
-            <a:pPr lvl="1"/>
-            <a:r>
-              <a:rPr lang="pt-BR" dirty="0"/>
-              <a:t>Excluir do Projeto</a:t>
-            </a:r>
-          </a:p>
-          <a:p>
-            <a:pPr lvl="1"/>
-            <a:r>
-              <a:rPr lang="pt-BR" dirty="0"/>
-              <a:t>Adicionar Novo Item / Item Existente</a:t>
-            </a:r>
-          </a:p>
-          <a:p>
-            <a:r>
-              <a:rPr lang="pt-BR" dirty="0"/>
-              <a:t>Em programação, existem dois </a:t>
-            </a:r>
-            <a:r>
-              <a:rPr lang="pt-BR" dirty="0">
-                <a:solidFill>
-                  <a:schemeClr val="accent3">
-                    <a:lumMod val="75000"/>
-                  </a:schemeClr>
-                </a:solidFill>
-              </a:rPr>
-              <a:t>tipos de erros</a:t>
-            </a:r>
-            <a:r>
-              <a:rPr lang="pt-BR" dirty="0"/>
-              <a:t>:</a:t>
-            </a:r>
-          </a:p>
-          <a:p>
-            <a:pPr lvl="1"/>
-            <a:r>
-              <a:rPr lang="pt-BR" dirty="0">
-                <a:solidFill>
-                  <a:schemeClr val="accent3">
-                    <a:lumMod val="60000"/>
-                    <a:lumOff val="40000"/>
-                  </a:schemeClr>
-                </a:solidFill>
-              </a:rPr>
-              <a:t>Sintaxe</a:t>
-            </a:r>
-            <a:r>
-              <a:rPr lang="pt-BR" dirty="0"/>
-              <a:t>: causam erros na compilação</a:t>
-            </a:r>
-          </a:p>
-          <a:p>
-            <a:pPr lvl="1"/>
-            <a:r>
-              <a:rPr lang="pt-BR" dirty="0">
-                <a:solidFill>
-                  <a:schemeClr val="accent3">
-                    <a:lumMod val="60000"/>
-                    <a:lumOff val="40000"/>
-                  </a:schemeClr>
-                </a:solidFill>
-              </a:rPr>
-              <a:t>Semântica</a:t>
-            </a:r>
-            <a:r>
-              <a:rPr lang="pt-BR" dirty="0"/>
-              <a:t>: difíceis de detectar (usar depuração)</a:t>
-            </a:r>
+              <a:t>editor de textos auxiliar, compilado e executado na linha de comando</a:t>
+            </a:r>
+            <a:endParaRPr lang="pt-BR" dirty="0"/>
           </a:p>
         </p:txBody>
       </p:sp>
     </p:spTree>
     <p:extLst>
       <p:ext uri="{BB962C8B-B14F-4D97-AF65-F5344CB8AC3E}">
-        <p14:creationId xmlns:p14="http://schemas.microsoft.com/office/powerpoint/2010/main" val="2837393331"/>
+        <p14:creationId xmlns:p14="http://schemas.microsoft.com/office/powerpoint/2010/main" val="1600955318"/>
       </p:ext>
     </p:extLst>
   </p:cSld>
@@ -21520,7 +21128,7 @@
 </p:sld>
 </file>
 
-<file path=ppt/slides/slide5.xml><?xml version="1.0" encoding="utf-8"?>
+<file path=ppt/slides/slide40.xml><?xml version="1.0" encoding="utf-8"?>
 <p:sld xmlns:a="http://schemas.openxmlformats.org/drawingml/2006/main" xmlns:r="http://schemas.openxmlformats.org/officeDocument/2006/relationships" xmlns:p="http://schemas.openxmlformats.org/presentationml/2006/main">
   <p:cSld>
     <p:spTree>
@@ -21554,7 +21162,7 @@
           <a:p>
             <a:r>
               <a:rPr lang="pt-BR" dirty="0"/>
-              <a:t>Criando o Código Fonte</a:t>
+              <a:t>Resumo</a:t>
             </a:r>
           </a:p>
         </p:txBody>
@@ -21571,49 +21179,12 @@
         </p:nvSpPr>
         <p:spPr/>
         <p:txBody>
-          <a:bodyPr>
-            <a:normAutofit/>
-          </a:bodyPr>
+          <a:bodyPr/>
           <a:lstStyle/>
           <a:p>
             <a:r>
               <a:rPr lang="pt-BR" dirty="0"/>
-              <a:t>Alguns compiladores são disponibilizados apenas com o compilador e o ligador:</a:t>
-            </a:r>
-          </a:p>
-          <a:p>
-            <a:pPr lvl="1"/>
-            <a:r>
-              <a:rPr lang="pt-BR" dirty="0"/>
-              <a:t>Intel C++ no Windows </a:t>
-            </a:r>
-          </a:p>
-          <a:p>
-            <a:pPr lvl="1"/>
-            <a:r>
-              <a:rPr lang="pt-BR" dirty="0"/>
-              <a:t>GNU g++ no Linux</a:t>
-            </a:r>
-          </a:p>
-          <a:p>
-            <a:pPr lvl="1"/>
-            <a:r>
-              <a:rPr lang="pt-BR" dirty="0" err="1"/>
-              <a:t>Clang</a:t>
-            </a:r>
-            <a:r>
-              <a:rPr lang="pt-BR" dirty="0"/>
-              <a:t> no Windows e Linux</a:t>
-            </a:r>
-          </a:p>
-          <a:p>
-            <a:pPr lvl="1"/>
-            <a:endParaRPr lang="pt-BR" dirty="0"/>
-          </a:p>
-          <a:p>
-            <a:r>
-              <a:rPr lang="pt-BR" dirty="0"/>
-              <a:t>Neste caso o código fonte deve ser criado em um </a:t>
+              <a:t>O Visual Studio exige a </a:t>
             </a:r>
             <a:r>
               <a:rPr lang="pt-BR" dirty="0">
@@ -21623,205 +21194,105 @@
                   </a:schemeClr>
                 </a:solidFill>
               </a:rPr>
-              <a:t>editor de textos auxiliar, compilado e executado na linha de comando</a:t>
-            </a:r>
+              <a:t>criação de projetos</a:t>
+            </a:r>
+          </a:p>
+          <a:p>
+            <a:pPr lvl="1"/>
+            <a:r>
+              <a:rPr lang="pt-BR" dirty="0"/>
+              <a:t>Um projeto pode ser utilizado para </a:t>
+            </a:r>
+            <a:r>
+              <a:rPr lang="pt-BR" dirty="0">
+                <a:solidFill>
+                  <a:schemeClr val="accent3">
+                    <a:lumMod val="75000"/>
+                  </a:schemeClr>
+                </a:solidFill>
+              </a:rPr>
+              <a:t>vários programas </a:t>
+            </a:r>
+          </a:p>
+          <a:p>
+            <a:pPr lvl="2"/>
+            <a:r>
+              <a:rPr lang="pt-BR" dirty="0"/>
+              <a:t>Excluir do Projeto</a:t>
+            </a:r>
+          </a:p>
+          <a:p>
+            <a:pPr lvl="2"/>
+            <a:r>
+              <a:rPr lang="pt-BR" dirty="0"/>
+              <a:t>Adicionar Novo Item / Item Existente</a:t>
+            </a:r>
+          </a:p>
+          <a:p>
             <a:endParaRPr lang="pt-BR" dirty="0"/>
           </a:p>
-        </p:txBody>
-      </p:sp>
-      <p:grpSp>
-        <p:nvGrpSpPr>
-          <p:cNvPr id="4" name="Agrupar 3">
-            <a:extLst>
-              <a:ext uri="{FF2B5EF4-FFF2-40B4-BE49-F238E27FC236}">
-                <a16:creationId xmlns:a16="http://schemas.microsoft.com/office/drawing/2014/main" id="{7133769A-FD12-4E95-B5DA-92A73C6E33BD}"/>
-              </a:ext>
-            </a:extLst>
-          </p:cNvPr>
-          <p:cNvGrpSpPr/>
-          <p:nvPr/>
-        </p:nvGrpSpPr>
-        <p:grpSpPr>
-          <a:xfrm>
-            <a:off x="11591925" y="6383365"/>
-            <a:ext cx="617266" cy="495111"/>
-            <a:chOff x="11582400" y="6381328"/>
-            <a:chExt cx="617266" cy="495111"/>
-          </a:xfrm>
-        </p:grpSpPr>
-        <p:sp>
-          <p:nvSpPr>
-            <p:cNvPr id="5" name="Triângulo isósceles 6">
-              <a:extLst>
-                <a:ext uri="{FF2B5EF4-FFF2-40B4-BE49-F238E27FC236}">
-                  <a16:creationId xmlns:a16="http://schemas.microsoft.com/office/drawing/2014/main" id="{1A083478-730F-4902-9453-A27E99FC201D}"/>
-                </a:ext>
-              </a:extLst>
-            </p:cNvPr>
-            <p:cNvSpPr/>
-            <p:nvPr/>
-          </p:nvSpPr>
-          <p:spPr>
-            <a:xfrm>
-              <a:off x="11582400" y="6381328"/>
-              <a:ext cx="593516" cy="464210"/>
-            </a:xfrm>
-            <a:custGeom>
-              <a:avLst/>
-              <a:gdLst>
-                <a:gd name="connsiteX0" fmla="*/ 0 w 864096"/>
-                <a:gd name="connsiteY0" fmla="*/ 1512168 h 1512168"/>
-                <a:gd name="connsiteX1" fmla="*/ 432048 w 864096"/>
-                <a:gd name="connsiteY1" fmla="*/ 0 h 1512168"/>
-                <a:gd name="connsiteX2" fmla="*/ 864096 w 864096"/>
-                <a:gd name="connsiteY2" fmla="*/ 1512168 h 1512168"/>
-                <a:gd name="connsiteX3" fmla="*/ 0 w 864096"/>
-                <a:gd name="connsiteY3" fmla="*/ 1512168 h 1512168"/>
-                <a:gd name="connsiteX0" fmla="*/ 0 w 864096"/>
-                <a:gd name="connsiteY0" fmla="*/ 787773 h 787773"/>
-                <a:gd name="connsiteX1" fmla="*/ 847684 w 864096"/>
-                <a:gd name="connsiteY1" fmla="*/ 0 h 787773"/>
-                <a:gd name="connsiteX2" fmla="*/ 864096 w 864096"/>
-                <a:gd name="connsiteY2" fmla="*/ 787773 h 787773"/>
-                <a:gd name="connsiteX3" fmla="*/ 0 w 864096"/>
-                <a:gd name="connsiteY3" fmla="*/ 787773 h 787773"/>
-                <a:gd name="connsiteX0" fmla="*/ 0 w 864096"/>
-                <a:gd name="connsiteY0" fmla="*/ 797298 h 797298"/>
-                <a:gd name="connsiteX1" fmla="*/ 857209 w 864096"/>
-                <a:gd name="connsiteY1" fmla="*/ 0 h 797298"/>
-                <a:gd name="connsiteX2" fmla="*/ 864096 w 864096"/>
-                <a:gd name="connsiteY2" fmla="*/ 797298 h 797298"/>
-                <a:gd name="connsiteX3" fmla="*/ 0 w 864096"/>
-                <a:gd name="connsiteY3" fmla="*/ 797298 h 797298"/>
-                <a:gd name="connsiteX0" fmla="*/ 0 w 864096"/>
-                <a:gd name="connsiteY0" fmla="*/ 799680 h 799680"/>
-                <a:gd name="connsiteX1" fmla="*/ 861971 w 864096"/>
-                <a:gd name="connsiteY1" fmla="*/ 0 h 799680"/>
-                <a:gd name="connsiteX2" fmla="*/ 864096 w 864096"/>
-                <a:gd name="connsiteY2" fmla="*/ 799680 h 799680"/>
-                <a:gd name="connsiteX3" fmla="*/ 0 w 864096"/>
-                <a:gd name="connsiteY3" fmla="*/ 799680 h 799680"/>
-              </a:gdLst>
-              <a:ahLst/>
-              <a:cxnLst>
-                <a:cxn ang="0">
-                  <a:pos x="connsiteX0" y="connsiteY0"/>
-                </a:cxn>
-                <a:cxn ang="0">
-                  <a:pos x="connsiteX1" y="connsiteY1"/>
-                </a:cxn>
-                <a:cxn ang="0">
-                  <a:pos x="connsiteX2" y="connsiteY2"/>
-                </a:cxn>
-                <a:cxn ang="0">
-                  <a:pos x="connsiteX3" y="connsiteY3"/>
-                </a:cxn>
-              </a:cxnLst>
-              <a:rect l="l" t="t" r="r" b="b"/>
-              <a:pathLst>
-                <a:path w="864096" h="799680">
-                  <a:moveTo>
-                    <a:pt x="0" y="799680"/>
-                  </a:moveTo>
-                  <a:lnTo>
-                    <a:pt x="861971" y="0"/>
-                  </a:lnTo>
-                  <a:cubicBezTo>
-                    <a:pt x="864267" y="265766"/>
-                    <a:pt x="861800" y="533914"/>
-                    <a:pt x="864096" y="799680"/>
-                  </a:cubicBezTo>
-                  <a:lnTo>
-                    <a:pt x="0" y="799680"/>
-                  </a:lnTo>
-                  <a:close/>
-                </a:path>
-              </a:pathLst>
-            </a:custGeom>
-            <a:solidFill>
-              <a:schemeClr val="accent3">
-                <a:lumMod val="75000"/>
-              </a:schemeClr>
-            </a:solidFill>
-            <a:ln>
-              <a:solidFill>
-                <a:schemeClr val="accent3">
-                  <a:lumMod val="75000"/>
-                </a:schemeClr>
-              </a:solidFill>
-            </a:ln>
-          </p:spPr>
-          <p:style>
-            <a:lnRef idx="2">
-              <a:schemeClr val="accent1">
-                <a:shade val="50000"/>
-              </a:schemeClr>
-            </a:lnRef>
-            <a:fillRef idx="1">
-              <a:schemeClr val="accent1"/>
-            </a:fillRef>
-            <a:effectRef idx="0">
-              <a:schemeClr val="accent1"/>
-            </a:effectRef>
-            <a:fontRef idx="minor">
-              <a:schemeClr val="lt1"/>
-            </a:fontRef>
-          </p:style>
-          <p:txBody>
-            <a:bodyPr rtlCol="0" anchor="ctr"/>
-            <a:lstStyle/>
-            <a:p>
-              <a:pPr algn="ctr"/>
-              <a:endParaRPr lang="pt-BR"/>
-            </a:p>
-          </p:txBody>
-        </p:sp>
-        <p:sp>
-          <p:nvSpPr>
-            <p:cNvPr id="6" name="Retângulo 5">
-              <a:extLst>
-                <a:ext uri="{FF2B5EF4-FFF2-40B4-BE49-F238E27FC236}">
-                  <a16:creationId xmlns:a16="http://schemas.microsoft.com/office/drawing/2014/main" id="{DD1EE133-B0D0-41EA-B24F-0AEBA5C56504}"/>
-                </a:ext>
-              </a:extLst>
-            </p:cNvPr>
-            <p:cNvSpPr/>
-            <p:nvPr/>
-          </p:nvSpPr>
-          <p:spPr>
-            <a:xfrm>
-              <a:off x="11808382" y="6476329"/>
-              <a:ext cx="391284" cy="400110"/>
-            </a:xfrm>
-            <a:prstGeom prst="rect">
-              <a:avLst/>
-            </a:prstGeom>
-          </p:spPr>
-          <p:txBody>
-            <a:bodyPr wrap="square">
-              <a:spAutoFit/>
-            </a:bodyPr>
-            <a:lstStyle/>
-            <a:p>
-              <a:pPr marL="68580" indent="0">
-                <a:buNone/>
-              </a:pPr>
-              <a:r>
-                <a:rPr lang="pt-BR" sz="2000" dirty="0">
-                  <a:solidFill>
-                    <a:schemeClr val="bg1"/>
-                  </a:solidFill>
-                </a:rPr>
-                <a:t>»</a:t>
-              </a:r>
-            </a:p>
-          </p:txBody>
-        </p:sp>
-      </p:grpSp>
+          <a:p>
+            <a:r>
+              <a:rPr lang="pt-BR" dirty="0"/>
+              <a:t>Em programação, existem dois </a:t>
+            </a:r>
+            <a:r>
+              <a:rPr lang="pt-BR" dirty="0">
+                <a:solidFill>
+                  <a:schemeClr val="accent3">
+                    <a:lumMod val="75000"/>
+                  </a:schemeClr>
+                </a:solidFill>
+              </a:rPr>
+              <a:t>tipos de erros</a:t>
+            </a:r>
+            <a:r>
+              <a:rPr lang="pt-BR" dirty="0"/>
+              <a:t>:</a:t>
+            </a:r>
+          </a:p>
+          <a:p>
+            <a:pPr lvl="1"/>
+            <a:r>
+              <a:rPr lang="pt-BR" dirty="0">
+                <a:solidFill>
+                  <a:schemeClr val="accent3">
+                    <a:lumMod val="60000"/>
+                    <a:lumOff val="40000"/>
+                  </a:schemeClr>
+                </a:solidFill>
+              </a:rPr>
+              <a:t>Sintaxe</a:t>
+            </a:r>
+            <a:r>
+              <a:rPr lang="pt-BR" dirty="0"/>
+              <a:t>: causam erros na compilação</a:t>
+            </a:r>
+          </a:p>
+          <a:p>
+            <a:pPr lvl="1"/>
+            <a:r>
+              <a:rPr lang="pt-BR" dirty="0">
+                <a:solidFill>
+                  <a:schemeClr val="accent3">
+                    <a:lumMod val="60000"/>
+                    <a:lumOff val="40000"/>
+                  </a:schemeClr>
+                </a:solidFill>
+              </a:rPr>
+              <a:t>Semântica</a:t>
+            </a:r>
+            <a:r>
+              <a:rPr lang="pt-BR" dirty="0"/>
+              <a:t>: difíceis de detectar (usar depuração)</a:t>
+            </a:r>
+          </a:p>
+        </p:txBody>
+      </p:sp>
     </p:spTree>
     <p:extLst>
       <p:ext uri="{BB962C8B-B14F-4D97-AF65-F5344CB8AC3E}">
-        <p14:creationId xmlns:p14="http://schemas.microsoft.com/office/powerpoint/2010/main" val="1600955318"/>
+        <p14:creationId xmlns:p14="http://schemas.microsoft.com/office/powerpoint/2010/main" val="2837393331"/>
       </p:ext>
     </p:extLst>
   </p:cSld>
@@ -21831,7 +21302,7 @@
 </p:sld>
 </file>
 
-<file path=ppt/slides/slide6.xml><?xml version="1.0" encoding="utf-8"?>
+<file path=ppt/slides/slide5.xml><?xml version="1.0" encoding="utf-8"?>
 <p:sld xmlns:a="http://schemas.openxmlformats.org/drawingml/2006/main" xmlns:r="http://schemas.openxmlformats.org/officeDocument/2006/relationships" xmlns:p="http://schemas.openxmlformats.org/presentationml/2006/main">
   <p:cSld>
     <p:spTree>
@@ -22179,7 +21650,7 @@
 </p:sld>
 </file>
 
-<file path=ppt/slides/slide7.xml><?xml version="1.0" encoding="utf-8"?>
+<file path=ppt/slides/slide6.xml><?xml version="1.0" encoding="utf-8"?>
 <p:sld xmlns:a="http://schemas.openxmlformats.org/drawingml/2006/main" xmlns:r="http://schemas.openxmlformats.org/officeDocument/2006/relationships" xmlns:p="http://schemas.openxmlformats.org/presentationml/2006/main">
   <p:cSld>
     <p:spTree>
@@ -22263,7 +21734,7 @@
           <p:nvPr>
             <p:extLst>
               <p:ext uri="{D42A27DB-BD31-4B8C-83A1-F6EECF244321}">
-                <p14:modId xmlns:p14="http://schemas.microsoft.com/office/powerpoint/2010/main" val="1115931390"/>
+                <p14:modId xmlns:p14="http://schemas.microsoft.com/office/powerpoint/2010/main" val="748316431"/>
               </p:ext>
             </p:extLst>
           </p:nvPr>
@@ -22354,10 +21825,7 @@
                         <a:rPr lang="pt-BR" dirty="0" err="1"/>
                         <a:t>Clang</a:t>
                       </a:r>
-                      <a:r>
-                        <a:rPr lang="pt-BR" dirty="0"/>
-                        <a:t>++</a:t>
-                      </a:r>
+                      <a:endParaRPr lang="pt-BR" dirty="0"/>
                     </a:p>
                   </a:txBody>
                   <a:tcPr/>
@@ -22655,7 +22123,7 @@
 </p:sld>
 </file>
 
-<file path=ppt/slides/slide8.xml><?xml version="1.0" encoding="utf-8"?>
+<file path=ppt/slides/slide7.xml><?xml version="1.0" encoding="utf-8"?>
 <p:sld xmlns:a="http://schemas.openxmlformats.org/drawingml/2006/main" xmlns:r="http://schemas.openxmlformats.org/officeDocument/2006/relationships" xmlns:p="http://schemas.openxmlformats.org/presentationml/2006/main">
   <p:cSld>
     <p:spTree>
@@ -22920,7 +22388,7 @@
 </p:sld>
 </file>
 
-<file path=ppt/slides/slide9.xml><?xml version="1.0" encoding="utf-8"?>
+<file path=ppt/slides/slide8.xml><?xml version="1.0" encoding="utf-8"?>
 <p:sld xmlns:a="http://schemas.openxmlformats.org/drawingml/2006/main" xmlns:r="http://schemas.openxmlformats.org/officeDocument/2006/relationships" xmlns:p="http://schemas.openxmlformats.org/presentationml/2006/main">
   <p:cSld>
     <p:spTree>
@@ -23175,6 +22643,257 @@
           <a:xfrm>
             <a:off x="1938337" y="5733256"/>
             <a:ext cx="8919012" cy="577252"/>
+          </a:xfrm>
+          <a:prstGeom prst="rect">
+            <a:avLst/>
+          </a:prstGeom>
+        </p:spPr>
+      </p:pic>
+    </p:spTree>
+  </p:cSld>
+  <p:clrMapOvr>
+    <a:masterClrMapping/>
+  </p:clrMapOvr>
+</p:sld>
+</file>
+
+<file path=ppt/slides/slide9.xml><?xml version="1.0" encoding="utf-8"?>
+<p:sld xmlns:a="http://schemas.openxmlformats.org/drawingml/2006/main" xmlns:r="http://schemas.openxmlformats.org/officeDocument/2006/relationships" xmlns:p="http://schemas.openxmlformats.org/presentationml/2006/main">
+  <p:cSld>
+    <p:spTree>
+      <p:nvGrpSpPr>
+        <p:cNvPr id="1" name=""/>
+        <p:cNvGrpSpPr/>
+        <p:nvPr/>
+      </p:nvGrpSpPr>
+      <p:grpSpPr>
+        <a:xfrm>
+          <a:off x="0" y="0"/>
+          <a:ext cx="0" cy="0"/>
+          <a:chOff x="0" y="0"/>
+          <a:chExt cx="0" cy="0"/>
+        </a:xfrm>
+      </p:grpSpPr>
+      <p:pic>
+        <p:nvPicPr>
+          <p:cNvPr id="5" name="Imagem 4">
+            <a:extLst>
+              <a:ext uri="{FF2B5EF4-FFF2-40B4-BE49-F238E27FC236}">
+                <a16:creationId xmlns:a16="http://schemas.microsoft.com/office/drawing/2014/main" id="{256F5997-C5D6-4036-B5DC-585EA857A6B5}"/>
+              </a:ext>
+            </a:extLst>
+          </p:cNvPr>
+          <p:cNvPicPr>
+            <a:picLocks noChangeAspect="1"/>
+          </p:cNvPicPr>
+          <p:nvPr/>
+        </p:nvPicPr>
+        <p:blipFill rotWithShape="1">
+          <a:blip r:embed="rId3">
+            <a:extLst>
+              <a:ext uri="{28A0092B-C50C-407E-A947-70E740481C1C}">
+                <a14:useLocalDpi xmlns:a14="http://schemas.microsoft.com/office/drawing/2010/main"/>
+              </a:ext>
+            </a:extLst>
+          </a:blip>
+          <a:srcRect/>
+          <a:stretch/>
+        </p:blipFill>
+        <p:spPr>
+          <a:xfrm>
+            <a:off x="2279576" y="1975164"/>
+            <a:ext cx="7903955" cy="3763119"/>
+          </a:xfrm>
+          <a:prstGeom prst="rect">
+            <a:avLst/>
+          </a:prstGeom>
+        </p:spPr>
+      </p:pic>
+      <p:sp>
+        <p:nvSpPr>
+          <p:cNvPr id="2" name="Título 1"/>
+          <p:cNvSpPr>
+            <a:spLocks noGrp="1"/>
+          </p:cNvSpPr>
+          <p:nvPr>
+            <p:ph type="title"/>
+          </p:nvPr>
+        </p:nvSpPr>
+        <p:spPr/>
+        <p:txBody>
+          <a:bodyPr/>
+          <a:lstStyle/>
+          <a:p>
+            <a:r>
+              <a:rPr lang="pt-BR" dirty="0"/>
+              <a:t>Criando um Projeto</a:t>
+            </a:r>
+          </a:p>
+        </p:txBody>
+      </p:sp>
+      <p:sp>
+        <p:nvSpPr>
+          <p:cNvPr id="3" name="Espaço Reservado para Conteúdo 2"/>
+          <p:cNvSpPr>
+            <a:spLocks noGrp="1"/>
+          </p:cNvSpPr>
+          <p:nvPr>
+            <p:ph idx="1"/>
+          </p:nvPr>
+        </p:nvSpPr>
+        <p:spPr>
+          <a:xfrm>
+            <a:off x="1219200" y="1268760"/>
+            <a:ext cx="9005862" cy="1000132"/>
+          </a:xfrm>
+        </p:spPr>
+        <p:txBody>
+          <a:bodyPr>
+            <a:noAutofit/>
+          </a:bodyPr>
+          <a:lstStyle/>
+          <a:p>
+            <a:pPr>
+              <a:buNone/>
+            </a:pPr>
+            <a:r>
+              <a:rPr lang="pt-BR" sz="2000" dirty="0"/>
+              <a:t>Criar um projeto ProgComp:</a:t>
+            </a:r>
+          </a:p>
+        </p:txBody>
+      </p:sp>
+      <p:sp>
+        <p:nvSpPr>
+          <p:cNvPr id="10" name="Retângulo 9"/>
+          <p:cNvSpPr/>
+          <p:nvPr/>
+        </p:nvSpPr>
+        <p:spPr>
+          <a:xfrm>
+            <a:off x="2747979" y="4931251"/>
+            <a:ext cx="5229225" cy="360065"/>
+          </a:xfrm>
+          <a:prstGeom prst="rect">
+            <a:avLst/>
+          </a:prstGeom>
+          <a:noFill/>
+          <a:ln>
+            <a:solidFill>
+              <a:schemeClr val="accent3">
+                <a:lumMod val="75000"/>
+              </a:schemeClr>
+            </a:solidFill>
+          </a:ln>
+        </p:spPr>
+        <p:style>
+          <a:lnRef idx="2">
+            <a:schemeClr val="accent1">
+              <a:shade val="50000"/>
+            </a:schemeClr>
+          </a:lnRef>
+          <a:fillRef idx="1">
+            <a:schemeClr val="accent1"/>
+          </a:fillRef>
+          <a:effectRef idx="0">
+            <a:schemeClr val="accent1"/>
+          </a:effectRef>
+          <a:fontRef idx="minor">
+            <a:schemeClr val="lt1"/>
+          </a:fontRef>
+        </p:style>
+        <p:txBody>
+          <a:bodyPr rtlCol="0" anchor="ctr"/>
+          <a:lstStyle/>
+          <a:p>
+            <a:pPr algn="ctr"/>
+            <a:endParaRPr lang="pt-BR"/>
+          </a:p>
+        </p:txBody>
+      </p:sp>
+      <p:sp>
+        <p:nvSpPr>
+          <p:cNvPr id="12" name="Retângulo 11">
+            <a:extLst>
+              <a:ext uri="{FF2B5EF4-FFF2-40B4-BE49-F238E27FC236}">
+                <a16:creationId xmlns:a16="http://schemas.microsoft.com/office/drawing/2014/main" id="{D74EBE9C-4C29-40E1-A41B-1F8F552B15BA}"/>
+              </a:ext>
+            </a:extLst>
+          </p:cNvPr>
+          <p:cNvSpPr/>
+          <p:nvPr/>
+        </p:nvSpPr>
+        <p:spPr>
+          <a:xfrm>
+            <a:off x="2742004" y="3490127"/>
+            <a:ext cx="5248274" cy="324816"/>
+          </a:xfrm>
+          <a:prstGeom prst="rect">
+            <a:avLst/>
+          </a:prstGeom>
+          <a:noFill/>
+          <a:ln>
+            <a:solidFill>
+              <a:schemeClr val="accent3">
+                <a:lumMod val="75000"/>
+              </a:schemeClr>
+            </a:solidFill>
+          </a:ln>
+        </p:spPr>
+        <p:style>
+          <a:lnRef idx="2">
+            <a:schemeClr val="accent1">
+              <a:shade val="50000"/>
+            </a:schemeClr>
+          </a:lnRef>
+          <a:fillRef idx="1">
+            <a:schemeClr val="accent1"/>
+          </a:fillRef>
+          <a:effectRef idx="0">
+            <a:schemeClr val="accent1"/>
+          </a:effectRef>
+          <a:fontRef idx="minor">
+            <a:schemeClr val="lt1"/>
+          </a:fontRef>
+        </p:style>
+        <p:txBody>
+          <a:bodyPr rtlCol="0" anchor="ctr"/>
+          <a:lstStyle/>
+          <a:p>
+            <a:pPr algn="ctr"/>
+            <a:endParaRPr lang="pt-BR"/>
+          </a:p>
+        </p:txBody>
+      </p:sp>
+      <p:pic>
+        <p:nvPicPr>
+          <p:cNvPr id="6" name="Imagem 5">
+            <a:extLst>
+              <a:ext uri="{FF2B5EF4-FFF2-40B4-BE49-F238E27FC236}">
+                <a16:creationId xmlns:a16="http://schemas.microsoft.com/office/drawing/2014/main" id="{BC06A4F4-C496-4437-8291-43BE682CEB93}"/>
+              </a:ext>
+            </a:extLst>
+          </p:cNvPr>
+          <p:cNvPicPr>
+            <a:picLocks noChangeAspect="1"/>
+          </p:cNvPicPr>
+          <p:nvPr/>
+        </p:nvPicPr>
+        <p:blipFill rotWithShape="1">
+          <a:blip r:embed="rId4">
+            <a:extLst>
+              <a:ext uri="{28A0092B-C50C-407E-A947-70E740481C1C}">
+                <a14:useLocalDpi xmlns:a14="http://schemas.microsoft.com/office/drawing/2010/main"/>
+              </a:ext>
+            </a:extLst>
+          </a:blip>
+          <a:srcRect/>
+          <a:stretch/>
+        </p:blipFill>
+        <p:spPr>
+          <a:xfrm>
+            <a:off x="2279575" y="5738283"/>
+            <a:ext cx="7903955" cy="594333"/>
           </a:xfrm>
           <a:prstGeom prst="rect">
             <a:avLst/>

--- a/Slides/01. Ambiente de Trabalho.pptx
+++ b/Slides/01. Ambiente de Trabalho.pptx
@@ -185,7 +185,7 @@
 <file path=ppt/revisionInfo.xml><?xml version="1.0" encoding="utf-8"?>
 <p1510:revInfo xmlns:a="http://schemas.openxmlformats.org/drawingml/2006/main" xmlns:r="http://schemas.openxmlformats.org/officeDocument/2006/relationships" xmlns:p1510="http://schemas.microsoft.com/office/powerpoint/2015/10/main">
   <p1510:revLst>
-    <p1510:client id="{35DCDA65-A2A8-4227-A263-0B48C62ACBF3}" v="2" dt="2021-02-26T03:19:48.546"/>
+    <p1510:client id="{47D7EFA9-0E60-4D73-A150-0F0DC9F10EAB}" v="18" dt="2021-03-19T06:32:36.850"/>
   </p1510:revLst>
 </p1510:revInfo>
 </file>
@@ -328,6 +328,54 @@
           </ac:graphicFrameMkLst>
         </pc:graphicFrameChg>
       </pc:sldChg>
+    </pc:docChg>
+  </pc:docChgLst>
+  <pc:docChgLst>
+    <pc:chgData name="Judson Santiago" userId="ebb108da2f256286" providerId="LiveId" clId="{47D7EFA9-0E60-4D73-A150-0F0DC9F10EAB}"/>
+    <pc:docChg chg="custSel modSld modMainMaster">
+      <pc:chgData name="Judson Santiago" userId="ebb108da2f256286" providerId="LiveId" clId="{47D7EFA9-0E60-4D73-A150-0F0DC9F10EAB}" dt="2021-03-19T06:35:12.681" v="18" actId="207"/>
+      <pc:docMkLst>
+        <pc:docMk/>
+      </pc:docMkLst>
+      <pc:sldChg chg="modSp mod">
+        <pc:chgData name="Judson Santiago" userId="ebb108da2f256286" providerId="LiveId" clId="{47D7EFA9-0E60-4D73-A150-0F0DC9F10EAB}" dt="2021-03-19T06:35:12.681" v="18" actId="207"/>
+        <pc:sldMkLst>
+          <pc:docMk/>
+          <pc:sldMk cId="3110083420" sldId="301"/>
+        </pc:sldMkLst>
+        <pc:graphicFrameChg chg="modGraphic">
+          <ac:chgData name="Judson Santiago" userId="ebb108da2f256286" providerId="LiveId" clId="{47D7EFA9-0E60-4D73-A150-0F0DC9F10EAB}" dt="2021-03-19T06:35:12.681" v="18" actId="207"/>
+          <ac:graphicFrameMkLst>
+            <pc:docMk/>
+            <pc:sldMk cId="3110083420" sldId="301"/>
+            <ac:graphicFrameMk id="4" creationId="{00000000-0000-0000-0000-000000000000}"/>
+          </ac:graphicFrameMkLst>
+        </pc:graphicFrameChg>
+      </pc:sldChg>
+      <pc:sldMasterChg chg="setBg modSldLayout">
+        <pc:chgData name="Judson Santiago" userId="ebb108da2f256286" providerId="LiveId" clId="{47D7EFA9-0E60-4D73-A150-0F0DC9F10EAB}" dt="2021-03-19T06:32:41.313" v="17" actId="167"/>
+        <pc:sldMasterMkLst>
+          <pc:docMk/>
+          <pc:sldMasterMk cId="0" sldId="2147483660"/>
+        </pc:sldMasterMkLst>
+        <pc:sldLayoutChg chg="addSp modSp mod">
+          <pc:chgData name="Judson Santiago" userId="ebb108da2f256286" providerId="LiveId" clId="{47D7EFA9-0E60-4D73-A150-0F0DC9F10EAB}" dt="2021-03-19T06:32:41.313" v="17" actId="167"/>
+          <pc:sldLayoutMkLst>
+            <pc:docMk/>
+            <pc:sldMasterMk cId="0" sldId="2147483660"/>
+            <pc:sldLayoutMk cId="0" sldId="2147483661"/>
+          </pc:sldLayoutMkLst>
+          <pc:picChg chg="add mod ord">
+            <ac:chgData name="Judson Santiago" userId="ebb108da2f256286" providerId="LiveId" clId="{47D7EFA9-0E60-4D73-A150-0F0DC9F10EAB}" dt="2021-03-19T06:32:41.313" v="17" actId="167"/>
+            <ac:picMkLst>
+              <pc:docMk/>
+              <pc:sldMasterMk cId="0" sldId="2147483660"/>
+              <pc:sldLayoutMk cId="0" sldId="2147483661"/>
+              <ac:picMk id="13" creationId="{67BE1FDE-F1D2-44C6-8697-B7DC7837CE5C}"/>
+            </ac:picMkLst>
+          </pc:picChg>
+        </pc:sldLayoutChg>
+      </pc:sldMasterChg>
     </pc:docChg>
   </pc:docChgLst>
   <pc:docChgLst>
@@ -2161,7 +2209,7 @@
           <a:p>
             <a:fld id="{E45C56DC-66E1-4B12-ABC0-96CA999D5C75}" type="datetimeFigureOut">
               <a:rPr lang="pt-BR" smtClean="0"/>
-              <a:t>25/02/2021</a:t>
+              <a:t>19/03/2021</a:t>
             </a:fld>
             <a:endParaRPr lang="pt-BR"/>
           </a:p>
@@ -2327,7 +2375,7 @@
             <a:fld id="{57F483FD-FA47-4D7D-BBCD-C74C3F9B7474}" type="datetimeFigureOut">
               <a:rPr lang="pt-BR" smtClean="0"/>
               <a:pPr/>
-              <a:t>25/02/2021</a:t>
+              <a:t>19/03/2021</a:t>
             </a:fld>
             <a:endParaRPr lang="pt-BR"/>
           </a:p>
@@ -5601,6 +5649,37 @@
           <a:chExt cx="0" cy="0"/>
         </a:xfrm>
       </p:grpSpPr>
+      <p:pic>
+        <p:nvPicPr>
+          <p:cNvPr id="13" name="Picture 3" descr="Rede de tecnologia iluminada em uma tela de fundo escura">
+            <a:extLst>
+              <a:ext uri="{FF2B5EF4-FFF2-40B4-BE49-F238E27FC236}">
+                <a16:creationId xmlns:a16="http://schemas.microsoft.com/office/drawing/2014/main" id="{67BE1FDE-F1D2-44C6-8697-B7DC7837CE5C}"/>
+              </a:ext>
+            </a:extLst>
+          </p:cNvPr>
+          <p:cNvPicPr>
+            <a:picLocks noChangeAspect="1"/>
+          </p:cNvPicPr>
+          <p:nvPr userDrawn="1"/>
+        </p:nvPicPr>
+        <p:blipFill rotWithShape="1">
+          <a:blip r:embed="rId2">
+            <a:alphaModFix amt="30000"/>
+          </a:blip>
+          <a:srcRect t="22329"/>
+          <a:stretch/>
+        </p:blipFill>
+        <p:spPr>
+          <a:xfrm flipH="1" flipV="1">
+            <a:off x="487680" y="0"/>
+            <a:ext cx="11704320" cy="6858000"/>
+          </a:xfrm>
+          <a:prstGeom prst="rect">
+            <a:avLst/>
+          </a:prstGeom>
+        </p:spPr>
+      </p:pic>
       <p:sp>
         <p:nvSpPr>
           <p:cNvPr id="28" name="Espaço Reservado para Data 27"/>
@@ -5619,7 +5698,7 @@
             <a:fld id="{D2923C0D-D3B4-411E-A907-21D2A1299C83}" type="datetimeFigureOut">
               <a:rPr lang="pt-BR" smtClean="0"/>
               <a:pPr/>
-              <a:t>25/02/2021</a:t>
+              <a:t>19/03/2021</a:t>
             </a:fld>
             <a:endParaRPr lang="pt-BR"/>
           </a:p>
@@ -6174,7 +6253,7 @@
             <a:fld id="{D2923C0D-D3B4-411E-A907-21D2A1299C83}" type="datetimeFigureOut">
               <a:rPr lang="pt-BR" smtClean="0"/>
               <a:pPr/>
-              <a:t>25/02/2021</a:t>
+              <a:t>19/03/2021</a:t>
             </a:fld>
             <a:endParaRPr lang="pt-BR"/>
           </a:p>
@@ -6351,7 +6430,7 @@
             <a:fld id="{D2923C0D-D3B4-411E-A907-21D2A1299C83}" type="datetimeFigureOut">
               <a:rPr lang="pt-BR" smtClean="0"/>
               <a:pPr/>
-              <a:t>25/02/2021</a:t>
+              <a:t>19/03/2021</a:t>
             </a:fld>
             <a:endParaRPr lang="pt-BR"/>
           </a:p>
@@ -6518,7 +6597,7 @@
             <a:fld id="{D2923C0D-D3B4-411E-A907-21D2A1299C83}" type="datetimeFigureOut">
               <a:rPr lang="pt-BR" smtClean="0"/>
               <a:pPr/>
-              <a:t>25/02/2021</a:t>
+              <a:t>19/03/2021</a:t>
             </a:fld>
             <a:endParaRPr lang="pt-BR"/>
           </a:p>
@@ -7967,7 +8046,7 @@
             <a:fld id="{D2923C0D-D3B4-411E-A907-21D2A1299C83}" type="datetimeFigureOut">
               <a:rPr lang="pt-BR" smtClean="0"/>
               <a:pPr/>
-              <a:t>25/02/2021</a:t>
+              <a:t>19/03/2021</a:t>
             </a:fld>
             <a:endParaRPr lang="pt-BR"/>
           </a:p>
@@ -8549,7 +8628,7 @@
             <a:fld id="{D2923C0D-D3B4-411E-A907-21D2A1299C83}" type="datetimeFigureOut">
               <a:rPr lang="pt-BR" smtClean="0"/>
               <a:pPr/>
-              <a:t>25/02/2021</a:t>
+              <a:t>19/03/2021</a:t>
             </a:fld>
             <a:endParaRPr lang="pt-BR"/>
           </a:p>
@@ -8980,7 +9059,7 @@
             <a:fld id="{D2923C0D-D3B4-411E-A907-21D2A1299C83}" type="datetimeFigureOut">
               <a:rPr lang="pt-BR" smtClean="0"/>
               <a:pPr/>
-              <a:t>25/02/2021</a:t>
+              <a:t>19/03/2021</a:t>
             </a:fld>
             <a:endParaRPr lang="pt-BR"/>
           </a:p>
@@ -9519,7 +9598,7 @@
             <a:fld id="{D2923C0D-D3B4-411E-A907-21D2A1299C83}" type="datetimeFigureOut">
               <a:rPr lang="pt-BR" smtClean="0"/>
               <a:pPr/>
-              <a:t>25/02/2021</a:t>
+              <a:t>19/03/2021</a:t>
             </a:fld>
             <a:endParaRPr lang="pt-BR"/>
           </a:p>
@@ -9611,7 +9690,7 @@
             <a:fld id="{D2923C0D-D3B4-411E-A907-21D2A1299C83}" type="datetimeFigureOut">
               <a:rPr lang="pt-BR" smtClean="0"/>
               <a:pPr/>
-              <a:t>25/02/2021</a:t>
+              <a:t>19/03/2021</a:t>
             </a:fld>
             <a:endParaRPr lang="pt-BR"/>
           </a:p>
@@ -9861,7 +9940,7 @@
             <a:fld id="{D2923C0D-D3B4-411E-A907-21D2A1299C83}" type="datetimeFigureOut">
               <a:rPr lang="pt-BR" smtClean="0"/>
               <a:pPr/>
-              <a:t>25/02/2021</a:t>
+              <a:t>19/03/2021</a:t>
             </a:fld>
             <a:endParaRPr lang="pt-BR"/>
           </a:p>
@@ -10576,7 +10655,7 @@
             <a:fld id="{D2923C0D-D3B4-411E-A907-21D2A1299C83}" type="datetimeFigureOut">
               <a:rPr lang="pt-BR" smtClean="0"/>
               <a:pPr/>
-              <a:t>25/02/2021</a:t>
+              <a:t>19/03/2021</a:t>
             </a:fld>
             <a:endParaRPr lang="pt-BR"/>
           </a:p>
@@ -10647,9 +10726,23 @@
 <p:sldMaster xmlns:a="http://schemas.openxmlformats.org/drawingml/2006/main" xmlns:r="http://schemas.openxmlformats.org/officeDocument/2006/relationships" xmlns:p="http://schemas.openxmlformats.org/presentationml/2006/main">
   <p:cSld>
     <p:bg>
-      <p:bgRef idx="1002">
-        <a:schemeClr val="bg2"/>
-      </p:bgRef>
+      <p:bgPr>
+        <a:gradFill rotWithShape="1">
+          <a:gsLst>
+            <a:gs pos="50000">
+              <a:schemeClr val="bg1">
+                <a:shade val="90000"/>
+                <a:satMod val="375000"/>
+              </a:schemeClr>
+            </a:gs>
+            <a:gs pos="100000">
+              <a:srgbClr val="28415E"/>
+            </a:gs>
+          </a:gsLst>
+          <a:lin ang="5400000" scaled="0"/>
+        </a:gradFill>
+        <a:effectLst/>
+      </p:bgPr>
     </p:bg>
     <p:spTree>
       <p:nvGrpSpPr>
@@ -10843,7 +10936,7 @@
             <a:fld id="{D2923C0D-D3B4-411E-A907-21D2A1299C83}" type="datetimeFigureOut">
               <a:rPr lang="pt-BR" smtClean="0"/>
               <a:pPr/>
-              <a:t>25/02/2021</a:t>
+              <a:t>19/03/2021</a:t>
             </a:fld>
             <a:endParaRPr lang="pt-BR"/>
           </a:p>
@@ -21734,7 +21827,7 @@
           <p:nvPr>
             <p:extLst>
               <p:ext uri="{D42A27DB-BD31-4B8C-83A1-F6EECF244321}">
-                <p14:modId xmlns:p14="http://schemas.microsoft.com/office/powerpoint/2010/main" val="748316431"/>
+                <p14:modId xmlns:p14="http://schemas.microsoft.com/office/powerpoint/2010/main" val="3874804482"/>
               </p:ext>
             </p:extLst>
           </p:nvPr>
@@ -21772,7 +21865,11 @@
                     <a:lstStyle/>
                     <a:p>
                       <a:r>
-                        <a:rPr lang="pt-BR" dirty="0"/>
+                        <a:rPr lang="pt-BR" dirty="0">
+                          <a:solidFill>
+                            <a:schemeClr val="bg1"/>
+                          </a:solidFill>
+                        </a:rPr>
                         <a:t>Implementação do C++</a:t>
                       </a:r>
                     </a:p>
@@ -21791,14 +21888,26 @@
                     <a:lstStyle/>
                     <a:p>
                       <a:r>
-                        <a:rPr lang="pt-BR" dirty="0"/>
+                        <a:rPr lang="pt-BR" dirty="0">
+                          <a:solidFill>
+                            <a:schemeClr val="bg1"/>
+                          </a:solidFill>
+                        </a:rPr>
                         <a:t>Extensão do código</a:t>
                       </a:r>
                       <a:r>
-                        <a:rPr lang="pt-BR" baseline="0" dirty="0"/>
+                        <a:rPr lang="pt-BR" baseline="0" dirty="0">
+                          <a:solidFill>
+                            <a:schemeClr val="bg1"/>
+                          </a:solidFill>
+                        </a:rPr>
                         <a:t> fonte</a:t>
                       </a:r>
-                      <a:endParaRPr lang="pt-BR" dirty="0"/>
+                      <a:endParaRPr lang="pt-BR" dirty="0">
+                        <a:solidFill>
+                          <a:schemeClr val="bg1"/>
+                        </a:solidFill>
+                      </a:endParaRPr>
                     </a:p>
                   </a:txBody>
                   <a:tcPr>
